--- a/Checkpoint 2&3.pptx
+++ b/Checkpoint 2&3.pptx
@@ -8,12 +8,14 @@
     <p:sldId id="256" r:id="rId3"/>
     <p:sldId id="257" r:id="rId4"/>
     <p:sldId id="264" r:id="rId5"/>
-    <p:sldId id="258" r:id="rId6"/>
-    <p:sldId id="259" r:id="rId7"/>
-    <p:sldId id="260" r:id="rId8"/>
-    <p:sldId id="262" r:id="rId9"/>
-    <p:sldId id="263" r:id="rId10"/>
-    <p:sldId id="265" r:id="rId11"/>
+    <p:sldId id="259" r:id="rId6"/>
+    <p:sldId id="260" r:id="rId7"/>
+    <p:sldId id="262" r:id="rId8"/>
+    <p:sldId id="263" r:id="rId9"/>
+    <p:sldId id="265" r:id="rId10"/>
+    <p:sldId id="276" r:id="rId11"/>
+    <p:sldId id="278" r:id="rId12"/>
+    <p:sldId id="279" r:id="rId13"/>
   </p:sldIdLst>
   <p:sldSz cx="12192000" cy="6858000"/>
   <p:notesSz cx="7103745" cy="10234295"/>
@@ -2650,8 +2652,70 @@
           <a:bodyPr/>
           <a:p>
             <a:r>
+              <a:rPr lang="en-US" altLang="en-US"/>
+              <a:t>Checkpoint 2 &amp; 3</a:t>
+            </a:r>
+            <a:endParaRPr lang="en-US" altLang="en-US"/>
+          </a:p>
+        </p:txBody>
+      </p:sp>
+      <p:sp>
+        <p:nvSpPr>
+          <p:cNvPr id="3" name="Subtitle 2"/>
+          <p:cNvSpPr>
+            <a:spLocks noGrp="1"/>
+          </p:cNvSpPr>
+          <p:nvPr>
+            <p:ph type="subTitle" idx="1"/>
+          </p:nvPr>
+        </p:nvSpPr>
+        <p:spPr/>
+        <p:txBody>
+          <a:bodyPr/>
+          <a:p>
+            <a:r>
+              <a:rPr lang="en-US" altLang="en-US"/>
+              <a:t>Yichen Sheng</a:t>
+            </a:r>
+            <a:endParaRPr lang="en-US" altLang="en-US"/>
+          </a:p>
+        </p:txBody>
+      </p:sp>
+    </p:spTree>
+  </p:cSld>
+  <p:clrMapOvr>
+    <a:masterClrMapping/>
+  </p:clrMapOvr>
+</p:sld>
+</file>
+
+<file path=ppt/slides/slide10.xml><?xml version="1.0" encoding="utf-8"?>
+<p:sld xmlns:a="http://schemas.openxmlformats.org/drawingml/2006/main" xmlns:r="http://schemas.openxmlformats.org/officeDocument/2006/relationships" xmlns:p="http://schemas.openxmlformats.org/presentationml/2006/main">
+  <p:cSld>
+    <p:spTree>
+      <p:nvGrpSpPr>
+        <p:cNvPr id="1" name=""/>
+        <p:cNvGrpSpPr/>
+        <p:nvPr/>
+      </p:nvGrpSpPr>
+      <p:grpSpPr/>
+      <p:sp>
+        <p:nvSpPr>
+          <p:cNvPr id="2" name="Title 1"/>
+          <p:cNvSpPr>
+            <a:spLocks noGrp="1"/>
+          </p:cNvSpPr>
+          <p:nvPr>
+            <p:ph type="title"/>
+          </p:nvPr>
+        </p:nvSpPr>
+        <p:spPr/>
+        <p:txBody>
+          <a:bodyPr/>
+          <a:p>
+            <a:r>
               <a:rPr lang="" altLang="en-US"/>
-              <a:t>Checkpoint 2 &amp; 3</a:t>
+              <a:t>Conclusions</a:t>
             </a:r>
             <a:endParaRPr lang="" altLang="en-US"/>
           </a:p>
@@ -2659,26 +2723,280 @@
       </p:sp>
       <p:sp>
         <p:nvSpPr>
-          <p:cNvPr id="3" name="Subtitle 2"/>
-          <p:cNvSpPr>
-            <a:spLocks noGrp="1"/>
-          </p:cNvSpPr>
-          <p:nvPr>
-            <p:ph type="subTitle" idx="1"/>
-          </p:nvPr>
-        </p:nvSpPr>
-        <p:spPr/>
-        <p:txBody>
-          <a:bodyPr/>
+          <p:cNvPr id="4" name="Text Box 3"/>
+          <p:cNvSpPr txBox="1"/>
+          <p:nvPr/>
+        </p:nvSpPr>
+        <p:spPr>
+          <a:xfrm>
+            <a:off x="4025265" y="1966595"/>
+            <a:ext cx="9753600" cy="2861310"/>
+          </a:xfrm>
+          <a:prstGeom prst="rect">
+            <a:avLst/>
+          </a:prstGeom>
+          <a:noFill/>
+        </p:spPr>
+        <p:txBody>
+          <a:bodyPr wrap="square" rtlCol="0">
+            <a:spAutoFit/>
+          </a:bodyPr>
           <a:p>
             <a:r>
               <a:rPr lang="" altLang="en-US"/>
-              <a:t>Yichen Sheng</a:t>
+              <a:t>Cons:</a:t>
             </a:r>
             <a:endParaRPr lang="" altLang="en-US"/>
           </a:p>
-        </p:txBody>
-      </p:sp>
+          <a:p>
+            <a:r>
+              <a:rPr lang="" altLang="en-US"/>
+              <a:t>1. It's </a:t>
+            </a:r>
+            <a:r>
+              <a:rPr lang="" altLang="en-US" b="1"/>
+              <a:t>hard</a:t>
+            </a:r>
+            <a:r>
+              <a:rPr lang="" altLang="en-US"/>
+              <a:t> to use SH to render hard shadows</a:t>
+            </a:r>
+            <a:endParaRPr lang="" altLang="en-US"/>
+          </a:p>
+          <a:p>
+            <a:r>
+              <a:rPr lang="" altLang="en-US"/>
+              <a:t>even use 11 band (121 bases)</a:t>
+            </a:r>
+            <a:endParaRPr lang="" altLang="en-US"/>
+          </a:p>
+          <a:p>
+            <a:endParaRPr lang="" altLang="en-US"/>
+          </a:p>
+          <a:p>
+            <a:r>
+              <a:rPr lang="" altLang="en-US"/>
+              <a:t>2. Shadow resolution depends on vertices of shadow </a:t>
+            </a:r>
+            <a:endParaRPr lang="" altLang="en-US"/>
+          </a:p>
+          <a:p>
+            <a:r>
+              <a:rPr lang="" altLang="en-US"/>
+              <a:t>receiver</a:t>
+            </a:r>
+            <a:endParaRPr lang="" altLang="en-US"/>
+          </a:p>
+          <a:p>
+            <a:endParaRPr lang="" altLang="en-US"/>
+          </a:p>
+          <a:p>
+            <a:r>
+              <a:rPr lang="" altLang="en-US"/>
+              <a:t>3. Visibility test is expensive to compute</a:t>
+            </a:r>
+            <a:endParaRPr lang="" altLang="en-US"/>
+          </a:p>
+          <a:p>
+            <a:endParaRPr lang="" altLang="en-US"/>
+          </a:p>
+          <a:p>
+            <a:endParaRPr lang="" altLang="en-US"/>
+          </a:p>
+        </p:txBody>
+      </p:sp>
+      <p:pic>
+        <p:nvPicPr>
+          <p:cNvPr id="5" name="Picture 4"/>
+          <p:cNvPicPr>
+            <a:picLocks noChangeAspect="1"/>
+          </p:cNvPicPr>
+          <p:nvPr/>
+        </p:nvPicPr>
+        <p:blipFill>
+          <a:blip r:embed="rId1"/>
+          <a:stretch>
+            <a:fillRect/>
+          </a:stretch>
+        </p:blipFill>
+        <p:spPr>
+          <a:xfrm>
+            <a:off x="9023350" y="29210"/>
+            <a:ext cx="3122930" cy="2159000"/>
+          </a:xfrm>
+          <a:prstGeom prst="rect">
+            <a:avLst/>
+          </a:prstGeom>
+        </p:spPr>
+      </p:pic>
+      <p:sp>
+        <p:nvSpPr>
+          <p:cNvPr id="3" name="Text Box 2"/>
+          <p:cNvSpPr txBox="1"/>
+          <p:nvPr/>
+        </p:nvSpPr>
+        <p:spPr>
+          <a:xfrm>
+            <a:off x="48260" y="1775460"/>
+            <a:ext cx="4188460" cy="2861310"/>
+          </a:xfrm>
+          <a:prstGeom prst="rect">
+            <a:avLst/>
+          </a:prstGeom>
+          <a:noFill/>
+        </p:spPr>
+        <p:txBody>
+          <a:bodyPr wrap="square" rtlCol="0" anchor="t">
+            <a:spAutoFit/>
+          </a:bodyPr>
+          <a:p>
+            <a:r>
+              <a:rPr lang="en-US" altLang="en-US">
+                <a:sym typeface="+mn-ea"/>
+              </a:rPr>
+              <a:t>Pros: </a:t>
+            </a:r>
+            <a:endParaRPr lang="en-US" altLang="en-US">
+              <a:sym typeface="+mn-ea"/>
+            </a:endParaRPr>
+          </a:p>
+          <a:p>
+            <a:pPr marL="342900" indent="-342900">
+              <a:buAutoNum type="arabicPeriod"/>
+            </a:pPr>
+            <a:r>
+              <a:rPr lang="" altLang="en-US">
+                <a:sym typeface="+mn-ea"/>
+              </a:rPr>
+              <a:t>Efficient rendering in runtime</a:t>
+            </a:r>
+            <a:endParaRPr lang="" altLang="en-US">
+              <a:sym typeface="+mn-ea"/>
+            </a:endParaRPr>
+          </a:p>
+          <a:p>
+            <a:pPr marL="342900" indent="-342900">
+              <a:buAutoNum type="arabicPeriod"/>
+            </a:pPr>
+            <a:endParaRPr lang="" altLang="en-US">
+              <a:sym typeface="+mn-ea"/>
+            </a:endParaRPr>
+          </a:p>
+          <a:p>
+            <a:pPr marL="342900" indent="-342900">
+              <a:buAutoNum type="arabicPeriod"/>
+            </a:pPr>
+            <a:r>
+              <a:rPr lang="" altLang="en-US">
+                <a:sym typeface="+mn-ea"/>
+              </a:rPr>
+              <a:t>General basis for integral of spherical surface</a:t>
+            </a:r>
+            <a:endParaRPr lang="" altLang="en-US">
+              <a:sym typeface="+mn-ea"/>
+            </a:endParaRPr>
+          </a:p>
+          <a:p>
+            <a:pPr marL="342900" indent="-342900">
+              <a:buAutoNum type="arabicPeriod"/>
+            </a:pPr>
+            <a:endParaRPr lang="" altLang="en-US">
+              <a:sym typeface="+mn-ea"/>
+            </a:endParaRPr>
+          </a:p>
+          <a:p>
+            <a:pPr marL="342900" indent="-342900">
+              <a:buAutoNum type="arabicPeriod"/>
+            </a:pPr>
+            <a:r>
+              <a:rPr lang="" altLang="en-US">
+                <a:sym typeface="+mn-ea"/>
+              </a:rPr>
+              <a:t>Low level details from low order basis</a:t>
+            </a:r>
+            <a:endParaRPr lang="" altLang="en-US">
+              <a:sym typeface="+mn-ea"/>
+            </a:endParaRPr>
+          </a:p>
+          <a:p>
+            <a:pPr marL="342900" indent="-342900">
+              <a:buAutoNum type="arabicPeriod"/>
+            </a:pPr>
+            <a:endParaRPr lang="" altLang="en-US">
+              <a:sym typeface="+mn-ea"/>
+            </a:endParaRPr>
+          </a:p>
+          <a:p>
+            <a:endParaRPr lang="" altLang="en-US">
+              <a:sym typeface="+mn-ea"/>
+            </a:endParaRPr>
+          </a:p>
+        </p:txBody>
+      </p:sp>
+    </p:spTree>
+  </p:cSld>
+  <p:clrMapOvr>
+    <a:masterClrMapping/>
+  </p:clrMapOvr>
+</p:sld>
+</file>
+
+<file path=ppt/slides/slide11.xml><?xml version="1.0" encoding="utf-8"?>
+<p:sld xmlns:a="http://schemas.openxmlformats.org/drawingml/2006/main" xmlns:r="http://schemas.openxmlformats.org/officeDocument/2006/relationships" xmlns:p="http://schemas.openxmlformats.org/presentationml/2006/main">
+  <p:cSld>
+    <p:spTree>
+      <p:nvGrpSpPr>
+        <p:cNvPr id="1" name=""/>
+        <p:cNvGrpSpPr/>
+        <p:nvPr/>
+      </p:nvGrpSpPr>
+      <p:grpSpPr/>
+      <p:sp>
+        <p:nvSpPr>
+          <p:cNvPr id="2" name="Title 1"/>
+          <p:cNvSpPr>
+            <a:spLocks noGrp="1"/>
+          </p:cNvSpPr>
+          <p:nvPr>
+            <p:ph type="title"/>
+          </p:nvPr>
+        </p:nvSpPr>
+        <p:spPr/>
+        <p:txBody>
+          <a:bodyPr/>
+          <a:p>
+            <a:r>
+              <a:rPr lang="en-US" altLang="en-US"/>
+              <a:t>Exp on bands (1~11)</a:t>
+            </a:r>
+            <a:endParaRPr lang="en-US" altLang="en-US"/>
+          </a:p>
+        </p:txBody>
+      </p:sp>
+      <p:pic>
+        <p:nvPicPr>
+          <p:cNvPr id="6" name="Picture 5" descr="output"/>
+          <p:cNvPicPr>
+            <a:picLocks noChangeAspect="1"/>
+          </p:cNvPicPr>
+          <p:nvPr/>
+        </p:nvPicPr>
+        <p:blipFill>
+          <a:blip r:embed="rId1"/>
+          <a:stretch>
+            <a:fillRect/>
+          </a:stretch>
+        </p:blipFill>
+        <p:spPr>
+          <a:xfrm>
+            <a:off x="838200" y="1602740"/>
+            <a:ext cx="7109460" cy="4739640"/>
+          </a:xfrm>
+          <a:prstGeom prst="rect">
+            <a:avLst/>
+          </a:prstGeom>
+        </p:spPr>
+      </p:pic>
     </p:spTree>
   </p:cSld>
   <p:clrMapOvr>
@@ -2743,10 +3061,10 @@
           </a:bodyPr>
           <a:p>
             <a:r>
-              <a:rPr lang="" altLang="en-US"/>
+              <a:rPr lang="en-US" altLang="en-US"/>
               <a:t>Diffuse (unshadowed) SH rendering (4 bands)</a:t>
             </a:r>
-            <a:endParaRPr lang="" altLang="en-US"/>
+            <a:endParaRPr lang="en-US" altLang="en-US"/>
           </a:p>
         </p:txBody>
       </p:sp>
@@ -2895,10 +3213,10 @@
           </a:bodyPr>
           <a:p>
             <a:r>
-              <a:rPr lang="" altLang="en-US"/>
+              <a:rPr lang="en-US" altLang="en-US"/>
               <a:t>For each vertex:</a:t>
             </a:r>
-            <a:endParaRPr lang="" altLang="en-US"/>
+            <a:endParaRPr lang="en-US" altLang="en-US"/>
           </a:p>
         </p:txBody>
       </p:sp>
@@ -2930,25 +3248,36 @@
             <p:ph type="title"/>
           </p:nvPr>
         </p:nvSpPr>
-        <p:spPr/>
-        <p:txBody>
-          <a:bodyPr/>
-          <a:p>
-            <a:r>
-              <a:rPr lang="" altLang="en-US"/>
-              <a:t>Exp on bands (1~12)</a:t>
-            </a:r>
-            <a:endParaRPr lang="" altLang="en-US"/>
+        <p:spPr>
+          <a:xfrm>
+            <a:off x="838200" y="365125"/>
+            <a:ext cx="11095355" cy="1282065"/>
+          </a:xfrm>
+        </p:spPr>
+        <p:txBody>
+          <a:bodyPr>
+            <a:normAutofit/>
+          </a:bodyPr>
+          <a:p>
+            <a:r>
+              <a:rPr lang="en-US" altLang="en-US">
+                <a:sym typeface="+mn-ea"/>
+              </a:rPr>
+              <a:t>Diffuse (unshadowed) SH rendering </a:t>
+            </a:r>
+            <a:endParaRPr lang="en-US"/>
           </a:p>
         </p:txBody>
       </p:sp>
       <p:pic>
         <p:nvPicPr>
-          <p:cNvPr id="6" name="Picture 5" descr="output"/>
+          <p:cNvPr id="4" name="Content Placeholder 3"/>
           <p:cNvPicPr>
             <a:picLocks noChangeAspect="1"/>
           </p:cNvPicPr>
-          <p:nvPr/>
+          <p:nvPr>
+            <p:ph idx="1"/>
+          </p:nvPr>
         </p:nvPicPr>
         <p:blipFill>
           <a:blip r:embed="rId1"/>
@@ -2958,14 +3287,58 @@
         </p:blipFill>
         <p:spPr>
           <a:xfrm>
-            <a:off x="838200" y="1602740"/>
-            <a:ext cx="7109460" cy="4739640"/>
+            <a:off x="779780" y="1708785"/>
+            <a:ext cx="6397625" cy="4462145"/>
           </a:xfrm>
           <a:prstGeom prst="rect">
             <a:avLst/>
           </a:prstGeom>
         </p:spPr>
       </p:pic>
+      <p:sp>
+        <p:nvSpPr>
+          <p:cNvPr id="5" name="Rounded Rectangle 4"/>
+          <p:cNvSpPr/>
+          <p:nvPr/>
+        </p:nvSpPr>
+        <p:spPr>
+          <a:xfrm>
+            <a:off x="4244340" y="3843655"/>
+            <a:ext cx="1050290" cy="1711325"/>
+          </a:xfrm>
+          <a:prstGeom prst="roundRect">
+            <a:avLst/>
+          </a:prstGeom>
+          <a:noFill/>
+          <a:ln w="28575" cmpd="sng">
+            <a:solidFill>
+              <a:srgbClr val="FF0000"/>
+            </a:solidFill>
+            <a:prstDash val="solid"/>
+          </a:ln>
+        </p:spPr>
+        <p:style>
+          <a:lnRef idx="2">
+            <a:schemeClr val="accent1"/>
+          </a:lnRef>
+          <a:fillRef idx="1">
+            <a:schemeClr val="lt1"/>
+          </a:fillRef>
+          <a:effectRef idx="0">
+            <a:schemeClr val="accent1"/>
+          </a:effectRef>
+          <a:fontRef idx="minor">
+            <a:schemeClr val="dk1"/>
+          </a:fontRef>
+        </p:style>
+        <p:txBody>
+          <a:bodyPr rtlCol="0" anchor="ctr"/>
+          <a:p>
+            <a:pPr algn="ctr"/>
+            <a:endParaRPr lang="en-US"/>
+          </a:p>
+        </p:txBody>
+      </p:sp>
     </p:spTree>
   </p:cSld>
   <p:clrMapOvr>
@@ -2984,46 +3357,13 @@
         <p:nvPr/>
       </p:nvGrpSpPr>
       <p:grpSpPr/>
-      <p:sp>
-        <p:nvSpPr>
-          <p:cNvPr id="2" name="Title 1"/>
-          <p:cNvSpPr>
-            <a:spLocks noGrp="1"/>
-          </p:cNvSpPr>
-          <p:nvPr>
-            <p:ph type="title"/>
-          </p:nvPr>
-        </p:nvSpPr>
-        <p:spPr>
-          <a:xfrm>
-            <a:off x="838200" y="365125"/>
-            <a:ext cx="11095355" cy="1282065"/>
-          </a:xfrm>
-        </p:spPr>
-        <p:txBody>
-          <a:bodyPr>
-            <a:normAutofit/>
-          </a:bodyPr>
-          <a:p>
-            <a:r>
-              <a:rPr lang="en-US" altLang="en-US">
-                <a:sym typeface="+mn-ea"/>
-              </a:rPr>
-              <a:t>Diffuse (unshadowed) SH rendering </a:t>
-            </a:r>
-            <a:endParaRPr lang="en-US"/>
-          </a:p>
-        </p:txBody>
-      </p:sp>
       <p:pic>
         <p:nvPicPr>
-          <p:cNvPr id="4" name="Content Placeholder 3"/>
+          <p:cNvPr id="8" name="Picture 7"/>
           <p:cNvPicPr>
             <a:picLocks noChangeAspect="1"/>
           </p:cNvPicPr>
-          <p:nvPr>
-            <p:ph idx="1"/>
-          </p:nvPr>
+          <p:nvPr/>
         </p:nvPicPr>
         <p:blipFill>
           <a:blip r:embed="rId1"/>
@@ -3033,8 +3373,8 @@
         </p:blipFill>
         <p:spPr>
           <a:xfrm>
-            <a:off x="779780" y="1708785"/>
-            <a:ext cx="6397625" cy="4462145"/>
+            <a:off x="702945" y="2906395"/>
+            <a:ext cx="8152130" cy="2200275"/>
           </a:xfrm>
           <a:prstGeom prst="rect">
             <a:avLst/>
@@ -3043,35 +3383,86 @@
       </p:pic>
       <p:sp>
         <p:nvSpPr>
+          <p:cNvPr id="2" name="Title 1"/>
+          <p:cNvSpPr>
+            <a:spLocks noGrp="1"/>
+          </p:cNvSpPr>
+          <p:nvPr>
+            <p:ph type="title"/>
+          </p:nvPr>
+        </p:nvSpPr>
+        <p:spPr/>
+        <p:txBody>
+          <a:bodyPr>
+            <a:normAutofit/>
+          </a:bodyPr>
+          <a:p>
+            <a:r>
+              <a:rPr lang="en-US" altLang="en-US">
+                <a:sym typeface="+mn-ea"/>
+              </a:rPr>
+              <a:t>Diffuse (shadowed) SH rendering</a:t>
+            </a:r>
+            <a:endParaRPr lang="en-US"/>
+          </a:p>
+        </p:txBody>
+      </p:sp>
+      <p:pic>
+        <p:nvPicPr>
+          <p:cNvPr id="4" name="Content Placeholder 3"/>
+          <p:cNvPicPr>
+            <a:picLocks noChangeAspect="1"/>
+          </p:cNvPicPr>
+          <p:nvPr>
+            <p:ph idx="1"/>
+          </p:nvPr>
+        </p:nvPicPr>
+        <p:blipFill>
+          <a:blip r:embed="rId2"/>
+          <a:stretch>
+            <a:fillRect/>
+          </a:stretch>
+        </p:blipFill>
+        <p:spPr>
+          <a:xfrm>
+            <a:off x="918210" y="1985645"/>
+            <a:ext cx="5124450" cy="990600"/>
+          </a:xfrm>
+          <a:prstGeom prst="rect">
+            <a:avLst/>
+          </a:prstGeom>
+        </p:spPr>
+      </p:pic>
+      <p:sp>
+        <p:nvSpPr>
           <p:cNvPr id="5" name="Rounded Rectangle 4"/>
           <p:cNvSpPr/>
           <p:nvPr/>
         </p:nvSpPr>
         <p:spPr>
           <a:xfrm>
-            <a:off x="4244340" y="3843655"/>
-            <a:ext cx="1050290" cy="1711325"/>
+            <a:off x="3289300" y="2275205"/>
+            <a:ext cx="633095" cy="345440"/>
           </a:xfrm>
           <a:prstGeom prst="roundRect">
             <a:avLst/>
           </a:prstGeom>
           <a:noFill/>
-          <a:ln w="28575" cmpd="sng">
+          <a:ln w="28575">
             <a:solidFill>
               <a:srgbClr val="FF0000"/>
             </a:solidFill>
-            <a:prstDash val="solid"/>
           </a:ln>
         </p:spPr>
         <p:style>
           <a:lnRef idx="2">
-            <a:schemeClr val="accent1"/>
+            <a:schemeClr val="accent2"/>
           </a:lnRef>
           <a:fillRef idx="1">
             <a:schemeClr val="lt1"/>
           </a:fillRef>
           <a:effectRef idx="0">
-            <a:schemeClr val="accent1"/>
+            <a:schemeClr val="accent2"/>
           </a:effectRef>
           <a:fontRef idx="minor">
             <a:schemeClr val="dk1"/>
@@ -3085,6 +3476,30 @@
           </a:p>
         </p:txBody>
       </p:sp>
+      <p:pic>
+        <p:nvPicPr>
+          <p:cNvPr id="7" name="Picture 6"/>
+          <p:cNvPicPr>
+            <a:picLocks noChangeAspect="1"/>
+          </p:cNvPicPr>
+          <p:nvPr/>
+        </p:nvPicPr>
+        <p:blipFill>
+          <a:blip r:embed="rId3"/>
+          <a:stretch>
+            <a:fillRect/>
+          </a:stretch>
+        </p:blipFill>
+        <p:spPr>
+          <a:xfrm>
+            <a:off x="7050405" y="2906395"/>
+            <a:ext cx="4523740" cy="2580640"/>
+          </a:xfrm>
+          <a:prstGeom prst="rect">
+            <a:avLst/>
+          </a:prstGeom>
+        </p:spPr>
+      </p:pic>
     </p:spTree>
   </p:cSld>
   <p:clrMapOvr>
@@ -3115,23 +3530,19 @@
         </p:nvSpPr>
         <p:spPr/>
         <p:txBody>
-          <a:bodyPr>
-            <a:normAutofit/>
-          </a:bodyPr>
-          <a:p>
-            <a:r>
-              <a:rPr lang="en-US" altLang="en-US">
-                <a:sym typeface="+mn-ea"/>
-              </a:rPr>
-              <a:t>Diffuse (shadowed) SH rendering</a:t>
-            </a:r>
-            <a:endParaRPr lang="en-US"/>
+          <a:bodyPr/>
+          <a:p>
+            <a:r>
+              <a:rPr lang="en-US" altLang="en-US"/>
+              <a:t>Visibility </a:t>
+            </a:r>
+            <a:endParaRPr lang="en-US" altLang="en-US"/>
           </a:p>
         </p:txBody>
       </p:sp>
       <p:pic>
         <p:nvPicPr>
-          <p:cNvPr id="4" name="Content Placeholder 3"/>
+          <p:cNvPr id="6" name="Content Placeholder 5"/>
           <p:cNvPicPr>
             <a:picLocks noChangeAspect="1"/>
           </p:cNvPicPr>
@@ -3147,99 +3558,8 @@
         </p:blipFill>
         <p:spPr>
           <a:xfrm>
-            <a:off x="918210" y="1985645"/>
-            <a:ext cx="5124450" cy="990600"/>
-          </a:xfrm>
-          <a:prstGeom prst="rect">
-            <a:avLst/>
-          </a:prstGeom>
-        </p:spPr>
-      </p:pic>
-      <p:sp>
-        <p:nvSpPr>
-          <p:cNvPr id="5" name="Rounded Rectangle 4"/>
-          <p:cNvSpPr/>
-          <p:nvPr/>
-        </p:nvSpPr>
-        <p:spPr>
-          <a:xfrm>
-            <a:off x="3289300" y="2275205"/>
-            <a:ext cx="633095" cy="345440"/>
-          </a:xfrm>
-          <a:prstGeom prst="roundRect">
-            <a:avLst/>
-          </a:prstGeom>
-          <a:noFill/>
-          <a:ln w="28575">
-            <a:solidFill>
-              <a:srgbClr val="FF0000"/>
-            </a:solidFill>
-          </a:ln>
-        </p:spPr>
-        <p:style>
-          <a:lnRef idx="2">
-            <a:schemeClr val="accent2"/>
-          </a:lnRef>
-          <a:fillRef idx="1">
-            <a:schemeClr val="lt1"/>
-          </a:fillRef>
-          <a:effectRef idx="0">
-            <a:schemeClr val="accent2"/>
-          </a:effectRef>
-          <a:fontRef idx="minor">
-            <a:schemeClr val="dk1"/>
-          </a:fontRef>
-        </p:style>
-        <p:txBody>
-          <a:bodyPr rtlCol="0" anchor="ctr"/>
-          <a:p>
-            <a:pPr algn="ctr"/>
-            <a:endParaRPr lang="en-US"/>
-          </a:p>
-        </p:txBody>
-      </p:sp>
-      <p:pic>
-        <p:nvPicPr>
-          <p:cNvPr id="6" name="Picture 5"/>
-          <p:cNvPicPr>
-            <a:picLocks noChangeAspect="1"/>
-          </p:cNvPicPr>
-          <p:nvPr/>
-        </p:nvPicPr>
-        <p:blipFill>
-          <a:blip r:embed="rId2"/>
-          <a:stretch>
-            <a:fillRect/>
-          </a:stretch>
-        </p:blipFill>
-        <p:spPr>
-          <a:xfrm>
-            <a:off x="1118870" y="3486785"/>
-            <a:ext cx="6266815" cy="2000250"/>
-          </a:xfrm>
-          <a:prstGeom prst="rect">
-            <a:avLst/>
-          </a:prstGeom>
-        </p:spPr>
-      </p:pic>
-      <p:pic>
-        <p:nvPicPr>
-          <p:cNvPr id="7" name="Picture 6"/>
-          <p:cNvPicPr>
-            <a:picLocks noChangeAspect="1"/>
-          </p:cNvPicPr>
-          <p:nvPr/>
-        </p:nvPicPr>
-        <p:blipFill>
-          <a:blip r:embed="rId3"/>
-          <a:stretch>
-            <a:fillRect/>
-          </a:stretch>
-        </p:blipFill>
-        <p:spPr>
-          <a:xfrm>
-            <a:off x="7050405" y="2906395"/>
-            <a:ext cx="4523740" cy="2580640"/>
+            <a:off x="904240" y="1513840"/>
+            <a:ext cx="7025640" cy="4882515"/>
           </a:xfrm>
           <a:prstGeom prst="rect">
             <a:avLst/>
@@ -3279,22 +3599,20 @@
           <a:bodyPr/>
           <a:p>
             <a:r>
-              <a:rPr lang="" altLang="en-US"/>
-              <a:t>Visibility </a:t>
-            </a:r>
-            <a:endParaRPr lang="" altLang="en-US"/>
+              <a:rPr lang="en-US" altLang="en-US"/>
+              <a:t>Diffuse(shadowed) SH rendering</a:t>
+            </a:r>
+            <a:endParaRPr lang="en-US" altLang="en-US"/>
           </a:p>
         </p:txBody>
       </p:sp>
       <p:pic>
         <p:nvPicPr>
-          <p:cNvPr id="6" name="Content Placeholder 5"/>
+          <p:cNvPr id="11" name="Picture 10" descr="shadow_24132"/>
           <p:cNvPicPr>
             <a:picLocks noChangeAspect="1"/>
           </p:cNvPicPr>
-          <p:nvPr>
-            <p:ph idx="1"/>
-          </p:nvPr>
+          <p:nvPr/>
         </p:nvPicPr>
         <p:blipFill>
           <a:blip r:embed="rId1"/>
@@ -3304,8 +3622,32 @@
         </p:blipFill>
         <p:spPr>
           <a:xfrm>
-            <a:off x="838200" y="1815465"/>
-            <a:ext cx="6261735" cy="4351655"/>
+            <a:off x="6416040" y="2498725"/>
+            <a:ext cx="5486400" cy="3657600"/>
+          </a:xfrm>
+          <a:prstGeom prst="rect">
+            <a:avLst/>
+          </a:prstGeom>
+        </p:spPr>
+      </p:pic>
+      <p:pic>
+        <p:nvPicPr>
+          <p:cNvPr id="13" name="Picture 12" descr="unshadow_373"/>
+          <p:cNvPicPr>
+            <a:picLocks noChangeAspect="1"/>
+          </p:cNvPicPr>
+          <p:nvPr/>
+        </p:nvPicPr>
+        <p:blipFill>
+          <a:blip r:embed="rId2"/>
+          <a:stretch>
+            <a:fillRect/>
+          </a:stretch>
+        </p:blipFill>
+        <p:spPr>
+          <a:xfrm>
+            <a:off x="442595" y="2498725"/>
+            <a:ext cx="5486069" cy="3657600"/>
           </a:xfrm>
           <a:prstGeom prst="rect">
             <a:avLst/>
@@ -3342,23 +3684,29 @@
         </p:nvSpPr>
         <p:spPr/>
         <p:txBody>
-          <a:bodyPr/>
-          <a:p>
-            <a:r>
-              <a:rPr lang="" altLang="en-US"/>
+          <a:bodyPr>
+            <a:normAutofit/>
+          </a:bodyPr>
+          <a:p>
+            <a:r>
+              <a:rPr lang="en-US" altLang="en-US">
+                <a:sym typeface="+mn-ea"/>
+              </a:rPr>
               <a:t>Diffuse(shadowed) SH rendering</a:t>
             </a:r>
-            <a:endParaRPr lang="" altLang="en-US"/>
+            <a:endParaRPr lang="en-US"/>
           </a:p>
         </p:txBody>
       </p:sp>
       <p:pic>
         <p:nvPicPr>
-          <p:cNvPr id="11" name="Picture 10" descr="shadow_24132"/>
+          <p:cNvPr id="4" name="Content Placeholder 3"/>
           <p:cNvPicPr>
             <a:picLocks noChangeAspect="1"/>
           </p:cNvPicPr>
-          <p:nvPr/>
+          <p:nvPr>
+            <p:ph idx="1"/>
+          </p:nvPr>
         </p:nvPicPr>
         <p:blipFill>
           <a:blip r:embed="rId1"/>
@@ -3368,32 +3716,8 @@
         </p:blipFill>
         <p:spPr>
           <a:xfrm>
-            <a:off x="6416040" y="2498725"/>
-            <a:ext cx="5486400" cy="3657600"/>
-          </a:xfrm>
-          <a:prstGeom prst="rect">
-            <a:avLst/>
-          </a:prstGeom>
-        </p:spPr>
-      </p:pic>
-      <p:pic>
-        <p:nvPicPr>
-          <p:cNvPr id="13" name="Picture 12" descr="unshadow_373"/>
-          <p:cNvPicPr>
-            <a:picLocks noChangeAspect="1"/>
-          </p:cNvPicPr>
-          <p:nvPr/>
-        </p:nvPicPr>
-        <p:blipFill>
-          <a:blip r:embed="rId2"/>
-          <a:stretch>
-            <a:fillRect/>
-          </a:stretch>
-        </p:blipFill>
-        <p:spPr>
-          <a:xfrm>
-            <a:off x="442595" y="2498725"/>
-            <a:ext cx="5486069" cy="3657600"/>
+            <a:off x="1448435" y="1551940"/>
+            <a:ext cx="7280275" cy="5031105"/>
           </a:xfrm>
           <a:prstGeom prst="rect">
             <a:avLst/>
@@ -3430,29 +3754,72 @@
         </p:nvSpPr>
         <p:spPr/>
         <p:txBody>
-          <a:bodyPr>
-            <a:normAutofit/>
+          <a:bodyPr/>
+          <a:p>
+            <a:r>
+              <a:rPr lang="" altLang="en-US"/>
+              <a:t>Exps</a:t>
+            </a:r>
+            <a:endParaRPr lang="" altLang="en-US"/>
+          </a:p>
+        </p:txBody>
+      </p:sp>
+      <p:sp>
+        <p:nvSpPr>
+          <p:cNvPr id="4" name="Text Box 3"/>
+          <p:cNvSpPr txBox="1"/>
+          <p:nvPr/>
+        </p:nvSpPr>
+        <p:spPr>
+          <a:xfrm>
+            <a:off x="838200" y="1691005"/>
+            <a:ext cx="9753600" cy="1476375"/>
+          </a:xfrm>
+          <a:prstGeom prst="rect">
+            <a:avLst/>
+          </a:prstGeom>
+          <a:noFill/>
+        </p:spPr>
+        <p:txBody>
+          <a:bodyPr wrap="square" rtlCol="0">
+            <a:spAutoFit/>
           </a:bodyPr>
           <a:p>
             <a:r>
-              <a:rPr lang="en-US" altLang="en-US">
-                <a:sym typeface="+mn-ea"/>
-              </a:rPr>
-              <a:t>Diffuse(shadowed) SH rendering</a:t>
-            </a:r>
-            <a:endParaRPr lang="en-US"/>
+              <a:rPr lang="" altLang="en-US"/>
+              <a:t>Cast shadows onto the plane.</a:t>
+            </a:r>
+            <a:endParaRPr lang="" altLang="en-US"/>
+          </a:p>
+          <a:p>
+            <a:endParaRPr lang="" altLang="en-US"/>
+          </a:p>
+          <a:p>
+            <a:r>
+              <a:rPr lang="" altLang="en-US"/>
+              <a:t>Plot shadows w.r.t. SH bands.</a:t>
+            </a:r>
+            <a:endParaRPr lang="" altLang="en-US"/>
+          </a:p>
+          <a:p>
+            <a:endParaRPr lang="" altLang="en-US"/>
+          </a:p>
+          <a:p>
+            <a:r>
+              <a:rPr lang="" altLang="en-US"/>
+              <a:t>Live demo!</a:t>
+            </a:r>
+            <a:endParaRPr lang="" altLang="en-US"/>
           </a:p>
         </p:txBody>
       </p:sp>
       <p:pic>
         <p:nvPicPr>
-          <p:cNvPr id="4" name="Content Placeholder 3"/>
+          <p:cNvPr id="5" name="Picture 4"/>
           <p:cNvPicPr>
             <a:picLocks noChangeAspect="1"/>
           </p:cNvPicPr>
-          <p:nvPr>
-            <p:ph idx="1"/>
-          </p:nvPr>
+          <p:nvPr/>
         </p:nvPicPr>
         <p:blipFill>
           <a:blip r:embed="rId1"/>
@@ -3462,8 +3829,8 @@
         </p:blipFill>
         <p:spPr>
           <a:xfrm>
-            <a:off x="1448435" y="1551940"/>
-            <a:ext cx="7280275" cy="5031105"/>
+            <a:off x="4133215" y="453390"/>
+            <a:ext cx="7929880" cy="5481320"/>
           </a:xfrm>
           <a:prstGeom prst="rect">
             <a:avLst/>

--- a/Checkpoint 2&3.pptx
+++ b/Checkpoint 2&3.pptx
@@ -6,16 +6,21 @@
   </p:sldMasterIdLst>
   <p:sldIdLst>
     <p:sldId id="256" r:id="rId3"/>
-    <p:sldId id="257" r:id="rId4"/>
-    <p:sldId id="264" r:id="rId5"/>
-    <p:sldId id="259" r:id="rId6"/>
-    <p:sldId id="260" r:id="rId7"/>
-    <p:sldId id="262" r:id="rId8"/>
-    <p:sldId id="263" r:id="rId9"/>
-    <p:sldId id="265" r:id="rId10"/>
-    <p:sldId id="276" r:id="rId11"/>
-    <p:sldId id="278" r:id="rId12"/>
-    <p:sldId id="279" r:id="rId13"/>
+    <p:sldId id="281" r:id="rId4"/>
+    <p:sldId id="257" r:id="rId5"/>
+    <p:sldId id="264" r:id="rId6"/>
+    <p:sldId id="282" r:id="rId7"/>
+    <p:sldId id="284" r:id="rId8"/>
+    <p:sldId id="285" r:id="rId9"/>
+    <p:sldId id="259" r:id="rId10"/>
+    <p:sldId id="260" r:id="rId11"/>
+    <p:sldId id="286" r:id="rId12"/>
+    <p:sldId id="262" r:id="rId13"/>
+    <p:sldId id="263" r:id="rId14"/>
+    <p:sldId id="265" r:id="rId15"/>
+    <p:sldId id="276" r:id="rId16"/>
+    <p:sldId id="278" r:id="rId17"/>
+    <p:sldId id="279" r:id="rId18"/>
   </p:sldIdLst>
   <p:sldSz cx="12192000" cy="6858000"/>
   <p:notesSz cx="7103745" cy="10234295"/>
@@ -2715,99 +2720,15 @@
           <a:p>
             <a:r>
               <a:rPr lang="" altLang="en-US"/>
-              <a:t>Conclusions</a:t>
-            </a:r>
-            <a:endParaRPr lang="" altLang="en-US"/>
-          </a:p>
-        </p:txBody>
-      </p:sp>
-      <p:sp>
-        <p:nvSpPr>
-          <p:cNvPr id="4" name="Text Box 3"/>
-          <p:cNvSpPr txBox="1"/>
-          <p:nvPr/>
-        </p:nvSpPr>
-        <p:spPr>
-          <a:xfrm>
-            <a:off x="4025265" y="1966595"/>
-            <a:ext cx="9753600" cy="2861310"/>
-          </a:xfrm>
-          <a:prstGeom prst="rect">
-            <a:avLst/>
-          </a:prstGeom>
-          <a:noFill/>
-        </p:spPr>
-        <p:txBody>
-          <a:bodyPr wrap="square" rtlCol="0">
-            <a:spAutoFit/>
-          </a:bodyPr>
-          <a:p>
-            <a:r>
-              <a:rPr lang="" altLang="en-US"/>
-              <a:t>Cons:</a:t>
-            </a:r>
-            <a:endParaRPr lang="" altLang="en-US"/>
-          </a:p>
-          <a:p>
-            <a:r>
-              <a:rPr lang="" altLang="en-US"/>
-              <a:t>1. It's </a:t>
-            </a:r>
-            <a:r>
-              <a:rPr lang="" altLang="en-US" b="1"/>
-              <a:t>hard</a:t>
-            </a:r>
-            <a:r>
-              <a:rPr lang="" altLang="en-US"/>
-              <a:t> to use SH to render hard shadows</a:t>
-            </a:r>
-            <a:endParaRPr lang="" altLang="en-US"/>
-          </a:p>
-          <a:p>
-            <a:r>
-              <a:rPr lang="" altLang="en-US"/>
-              <a:t>even use 11 band (121 bases)</a:t>
-            </a:r>
-            <a:endParaRPr lang="" altLang="en-US"/>
-          </a:p>
-          <a:p>
-            <a:endParaRPr lang="" altLang="en-US"/>
-          </a:p>
-          <a:p>
-            <a:r>
-              <a:rPr lang="" altLang="en-US"/>
-              <a:t>2. Shadow resolution depends on vertices of shadow </a:t>
-            </a:r>
-            <a:endParaRPr lang="" altLang="en-US"/>
-          </a:p>
-          <a:p>
-            <a:r>
-              <a:rPr lang="" altLang="en-US"/>
-              <a:t>receiver</a:t>
-            </a:r>
-            <a:endParaRPr lang="" altLang="en-US"/>
-          </a:p>
-          <a:p>
-            <a:endParaRPr lang="" altLang="en-US"/>
-          </a:p>
-          <a:p>
-            <a:r>
-              <a:rPr lang="" altLang="en-US"/>
-              <a:t>3. Visibility test is expensive to compute</a:t>
-            </a:r>
-            <a:endParaRPr lang="" altLang="en-US"/>
-          </a:p>
-          <a:p>
-            <a:endParaRPr lang="" altLang="en-US"/>
-          </a:p>
-          <a:p>
+              <a:t>Implementation details</a:t>
+            </a:r>
             <a:endParaRPr lang="" altLang="en-US"/>
           </a:p>
         </p:txBody>
       </p:sp>
       <p:pic>
         <p:nvPicPr>
-          <p:cNvPr id="5" name="Picture 4"/>
+          <p:cNvPr id="4" name="Picture 3"/>
           <p:cNvPicPr>
             <a:picLocks noChangeAspect="1"/>
           </p:cNvPicPr>
@@ -2821,8 +2742,8 @@
         </p:blipFill>
         <p:spPr>
           <a:xfrm>
-            <a:off x="9023350" y="29210"/>
-            <a:ext cx="3122930" cy="2159000"/>
+            <a:off x="838200" y="1397635"/>
+            <a:ext cx="7876540" cy="5271135"/>
           </a:xfrm>
           <a:prstGeom prst="rect">
             <a:avLst/>
@@ -2831,104 +2752,172 @@
       </p:pic>
       <p:sp>
         <p:nvSpPr>
-          <p:cNvPr id="3" name="Text Box 2"/>
-          <p:cNvSpPr txBox="1"/>
+          <p:cNvPr id="5" name="Rectangle 4"/>
+          <p:cNvSpPr/>
           <p:nvPr/>
         </p:nvSpPr>
         <p:spPr>
           <a:xfrm>
-            <a:off x="48260" y="1775460"/>
-            <a:ext cx="4188460" cy="2861310"/>
+            <a:off x="1027430" y="3512820"/>
+            <a:ext cx="2386965" cy="1087120"/>
           </a:xfrm>
           <a:prstGeom prst="rect">
             <a:avLst/>
           </a:prstGeom>
           <a:noFill/>
-        </p:spPr>
-        <p:txBody>
-          <a:bodyPr wrap="square" rtlCol="0" anchor="t">
+          <a:ln w="28575">
+            <a:solidFill>
+              <a:srgbClr val="FF0000"/>
+            </a:solidFill>
+          </a:ln>
+        </p:spPr>
+        <p:style>
+          <a:lnRef idx="2">
+            <a:schemeClr val="accent1">
+              <a:shade val="50000"/>
+            </a:schemeClr>
+          </a:lnRef>
+          <a:fillRef idx="1">
+            <a:schemeClr val="accent1"/>
+          </a:fillRef>
+          <a:effectRef idx="0">
+            <a:schemeClr val="accent1"/>
+          </a:effectRef>
+          <a:fontRef idx="minor">
+            <a:schemeClr val="lt1"/>
+          </a:fontRef>
+        </p:style>
+        <p:txBody>
+          <a:bodyPr rtlCol="0" anchor="ctr"/>
+          <a:p>
+            <a:pPr algn="ctr"/>
+            <a:endParaRPr lang="en-US"/>
+          </a:p>
+        </p:txBody>
+      </p:sp>
+      <p:sp>
+        <p:nvSpPr>
+          <p:cNvPr id="6" name="Rectangle 5"/>
+          <p:cNvSpPr/>
+          <p:nvPr/>
+        </p:nvSpPr>
+        <p:spPr>
+          <a:xfrm>
+            <a:off x="1027430" y="5166360"/>
+            <a:ext cx="2431415" cy="1153160"/>
+          </a:xfrm>
+          <a:prstGeom prst="rect">
+            <a:avLst/>
+          </a:prstGeom>
+          <a:noFill/>
+          <a:ln w="28575">
+            <a:solidFill>
+              <a:srgbClr val="FF0000"/>
+            </a:solidFill>
+          </a:ln>
+        </p:spPr>
+        <p:style>
+          <a:lnRef idx="2">
+            <a:schemeClr val="accent1">
+              <a:shade val="50000"/>
+            </a:schemeClr>
+          </a:lnRef>
+          <a:fillRef idx="1">
+            <a:schemeClr val="accent1"/>
+          </a:fillRef>
+          <a:effectRef idx="0">
+            <a:schemeClr val="accent1"/>
+          </a:effectRef>
+          <a:fontRef idx="minor">
+            <a:schemeClr val="lt1"/>
+          </a:fontRef>
+        </p:style>
+        <p:txBody>
+          <a:bodyPr rtlCol="0" anchor="ctr"/>
+          <a:p>
+            <a:pPr algn="ctr"/>
+            <a:endParaRPr lang="en-US"/>
+          </a:p>
+        </p:txBody>
+      </p:sp>
+      <p:sp>
+        <p:nvSpPr>
+          <p:cNvPr id="7" name="Text Box 6"/>
+          <p:cNvSpPr txBox="1"/>
+          <p:nvPr/>
+        </p:nvSpPr>
+        <p:spPr>
+          <a:xfrm>
+            <a:off x="4060190" y="3623310"/>
+            <a:ext cx="4480560" cy="368300"/>
+          </a:xfrm>
+          <a:prstGeom prst="rect">
+            <a:avLst/>
+          </a:prstGeom>
+          <a:noFill/>
+        </p:spPr>
+        <p:txBody>
+          <a:bodyPr wrap="square" rtlCol="0">
             <a:spAutoFit/>
           </a:bodyPr>
           <a:p>
             <a:r>
-              <a:rPr lang="en-US" altLang="en-US">
-                <a:sym typeface="+mn-ea"/>
+              <a:rPr lang="" altLang="en-US">
+                <a:solidFill>
+                  <a:schemeClr val="bg1">
+                    <a:lumMod val="85000"/>
+                  </a:schemeClr>
+                </a:solidFill>
               </a:rPr>
-              <a:t>Pros: </a:t>
-            </a:r>
-            <a:endParaRPr lang="en-US" altLang="en-US">
-              <a:sym typeface="+mn-ea"/>
+              <a:t>visibility buffer: (x, y, z, theta, phi) -&gt; 0/1</a:t>
+            </a:r>
+            <a:endParaRPr lang="" altLang="en-US">
+              <a:solidFill>
+                <a:schemeClr val="bg1">
+                  <a:lumMod val="85000"/>
+                </a:schemeClr>
+              </a:solidFill>
             </a:endParaRPr>
           </a:p>
-          <a:p>
-            <a:pPr marL="342900" indent="-342900">
-              <a:buAutoNum type="arabicPeriod"/>
-            </a:pPr>
+        </p:txBody>
+      </p:sp>
+      <p:sp>
+        <p:nvSpPr>
+          <p:cNvPr id="8" name="Text Box 7"/>
+          <p:cNvSpPr txBox="1"/>
+          <p:nvPr/>
+        </p:nvSpPr>
+        <p:spPr>
+          <a:xfrm>
+            <a:off x="4111625" y="5490210"/>
+            <a:ext cx="4480560" cy="368300"/>
+          </a:xfrm>
+          <a:prstGeom prst="rect">
+            <a:avLst/>
+          </a:prstGeom>
+          <a:noFill/>
+        </p:spPr>
+        <p:txBody>
+          <a:bodyPr wrap="square" rtlCol="0">
+            <a:spAutoFit/>
+          </a:bodyPr>
+          <a:p>
             <a:r>
               <a:rPr lang="" altLang="en-US">
-                <a:sym typeface="+mn-ea"/>
+                <a:solidFill>
+                  <a:schemeClr val="bg1">
+                    <a:lumMod val="85000"/>
+                  </a:schemeClr>
+                </a:solidFill>
               </a:rPr>
-              <a:t>Efficient rendering in runtime</a:t>
+              <a:t>Project visibility into SH basis</a:t>
             </a:r>
             <a:endParaRPr lang="" altLang="en-US">
-              <a:sym typeface="+mn-ea"/>
-            </a:endParaRPr>
-          </a:p>
-          <a:p>
-            <a:pPr marL="342900" indent="-342900">
-              <a:buAutoNum type="arabicPeriod"/>
-            </a:pPr>
-            <a:endParaRPr lang="" altLang="en-US">
-              <a:sym typeface="+mn-ea"/>
-            </a:endParaRPr>
-          </a:p>
-          <a:p>
-            <a:pPr marL="342900" indent="-342900">
-              <a:buAutoNum type="arabicPeriod"/>
-            </a:pPr>
-            <a:r>
-              <a:rPr lang="" altLang="en-US">
-                <a:sym typeface="+mn-ea"/>
-              </a:rPr>
-              <a:t>General basis for integral of spherical surface</a:t>
-            </a:r>
-            <a:endParaRPr lang="" altLang="en-US">
-              <a:sym typeface="+mn-ea"/>
-            </a:endParaRPr>
-          </a:p>
-          <a:p>
-            <a:pPr marL="342900" indent="-342900">
-              <a:buAutoNum type="arabicPeriod"/>
-            </a:pPr>
-            <a:endParaRPr lang="" altLang="en-US">
-              <a:sym typeface="+mn-ea"/>
-            </a:endParaRPr>
-          </a:p>
-          <a:p>
-            <a:pPr marL="342900" indent="-342900">
-              <a:buAutoNum type="arabicPeriod"/>
-            </a:pPr>
-            <a:r>
-              <a:rPr lang="" altLang="en-US">
-                <a:sym typeface="+mn-ea"/>
-              </a:rPr>
-              <a:t>Low level details from low order basis</a:t>
-            </a:r>
-            <a:endParaRPr lang="" altLang="en-US">
-              <a:sym typeface="+mn-ea"/>
-            </a:endParaRPr>
-          </a:p>
-          <a:p>
-            <a:pPr marL="342900" indent="-342900">
-              <a:buAutoNum type="arabicPeriod"/>
-            </a:pPr>
-            <a:endParaRPr lang="" altLang="en-US">
-              <a:sym typeface="+mn-ea"/>
-            </a:endParaRPr>
-          </a:p>
-          <a:p>
-            <a:endParaRPr lang="" altLang="en-US">
-              <a:sym typeface="+mn-ea"/>
+              <a:solidFill>
+                <a:schemeClr val="bg1">
+                  <a:lumMod val="85000"/>
+                </a:schemeClr>
+              </a:solidFill>
             </a:endParaRPr>
           </a:p>
         </p:txBody>
@@ -2967,6 +2956,595 @@
           <a:p>
             <a:r>
               <a:rPr lang="en-US" altLang="en-US"/>
+              <a:t>Visibility </a:t>
+            </a:r>
+            <a:endParaRPr lang="en-US" altLang="en-US"/>
+          </a:p>
+        </p:txBody>
+      </p:sp>
+      <p:pic>
+        <p:nvPicPr>
+          <p:cNvPr id="6" name="Content Placeholder 5"/>
+          <p:cNvPicPr>
+            <a:picLocks noChangeAspect="1"/>
+          </p:cNvPicPr>
+          <p:nvPr>
+            <p:ph idx="1"/>
+          </p:nvPr>
+        </p:nvPicPr>
+        <p:blipFill>
+          <a:blip r:embed="rId1"/>
+          <a:stretch>
+            <a:fillRect/>
+          </a:stretch>
+        </p:blipFill>
+        <p:spPr>
+          <a:xfrm>
+            <a:off x="904240" y="1513840"/>
+            <a:ext cx="7025640" cy="4882515"/>
+          </a:xfrm>
+          <a:prstGeom prst="rect">
+            <a:avLst/>
+          </a:prstGeom>
+        </p:spPr>
+      </p:pic>
+    </p:spTree>
+  </p:cSld>
+  <p:clrMapOvr>
+    <a:masterClrMapping/>
+  </p:clrMapOvr>
+</p:sld>
+</file>
+
+<file path=ppt/slides/slide12.xml><?xml version="1.0" encoding="utf-8"?>
+<p:sld xmlns:a="http://schemas.openxmlformats.org/drawingml/2006/main" xmlns:r="http://schemas.openxmlformats.org/officeDocument/2006/relationships" xmlns:p="http://schemas.openxmlformats.org/presentationml/2006/main">
+  <p:cSld>
+    <p:spTree>
+      <p:nvGrpSpPr>
+        <p:cNvPr id="1" name=""/>
+        <p:cNvGrpSpPr/>
+        <p:nvPr/>
+      </p:nvGrpSpPr>
+      <p:grpSpPr/>
+      <p:sp>
+        <p:nvSpPr>
+          <p:cNvPr id="2" name="Title 1"/>
+          <p:cNvSpPr>
+            <a:spLocks noGrp="1"/>
+          </p:cNvSpPr>
+          <p:nvPr>
+            <p:ph type="title"/>
+          </p:nvPr>
+        </p:nvSpPr>
+        <p:spPr/>
+        <p:txBody>
+          <a:bodyPr/>
+          <a:p>
+            <a:r>
+              <a:rPr lang="en-US" altLang="en-US"/>
+              <a:t>Diffuse(shadowed) SH rendering</a:t>
+            </a:r>
+            <a:endParaRPr lang="en-US" altLang="en-US"/>
+          </a:p>
+        </p:txBody>
+      </p:sp>
+      <p:pic>
+        <p:nvPicPr>
+          <p:cNvPr id="11" name="Picture 10" descr="shadow_24132"/>
+          <p:cNvPicPr>
+            <a:picLocks noChangeAspect="1"/>
+          </p:cNvPicPr>
+          <p:nvPr/>
+        </p:nvPicPr>
+        <p:blipFill>
+          <a:blip r:embed="rId1"/>
+          <a:stretch>
+            <a:fillRect/>
+          </a:stretch>
+        </p:blipFill>
+        <p:spPr>
+          <a:xfrm>
+            <a:off x="6416040" y="2498725"/>
+            <a:ext cx="5486400" cy="3657600"/>
+          </a:xfrm>
+          <a:prstGeom prst="rect">
+            <a:avLst/>
+          </a:prstGeom>
+        </p:spPr>
+      </p:pic>
+      <p:pic>
+        <p:nvPicPr>
+          <p:cNvPr id="13" name="Picture 12" descr="unshadow_373"/>
+          <p:cNvPicPr>
+            <a:picLocks noChangeAspect="1"/>
+          </p:cNvPicPr>
+          <p:nvPr/>
+        </p:nvPicPr>
+        <p:blipFill>
+          <a:blip r:embed="rId2"/>
+          <a:stretch>
+            <a:fillRect/>
+          </a:stretch>
+        </p:blipFill>
+        <p:spPr>
+          <a:xfrm>
+            <a:off x="442595" y="2498725"/>
+            <a:ext cx="5486069" cy="3657600"/>
+          </a:xfrm>
+          <a:prstGeom prst="rect">
+            <a:avLst/>
+          </a:prstGeom>
+        </p:spPr>
+      </p:pic>
+    </p:spTree>
+  </p:cSld>
+  <p:clrMapOvr>
+    <a:masterClrMapping/>
+  </p:clrMapOvr>
+</p:sld>
+</file>
+
+<file path=ppt/slides/slide13.xml><?xml version="1.0" encoding="utf-8"?>
+<p:sld xmlns:a="http://schemas.openxmlformats.org/drawingml/2006/main" xmlns:r="http://schemas.openxmlformats.org/officeDocument/2006/relationships" xmlns:p="http://schemas.openxmlformats.org/presentationml/2006/main">
+  <p:cSld>
+    <p:spTree>
+      <p:nvGrpSpPr>
+        <p:cNvPr id="1" name=""/>
+        <p:cNvGrpSpPr/>
+        <p:nvPr/>
+      </p:nvGrpSpPr>
+      <p:grpSpPr/>
+      <p:sp>
+        <p:nvSpPr>
+          <p:cNvPr id="2" name="Title 1"/>
+          <p:cNvSpPr>
+            <a:spLocks noGrp="1"/>
+          </p:cNvSpPr>
+          <p:nvPr>
+            <p:ph type="title"/>
+          </p:nvPr>
+        </p:nvSpPr>
+        <p:spPr/>
+        <p:txBody>
+          <a:bodyPr>
+            <a:normAutofit/>
+          </a:bodyPr>
+          <a:p>
+            <a:r>
+              <a:rPr lang="en-US" altLang="en-US">
+                <a:sym typeface="+mn-ea"/>
+              </a:rPr>
+              <a:t>Diffuse(shadowed) SH rendering</a:t>
+            </a:r>
+            <a:endParaRPr lang="en-US"/>
+          </a:p>
+        </p:txBody>
+      </p:sp>
+      <p:pic>
+        <p:nvPicPr>
+          <p:cNvPr id="4" name="Content Placeholder 3"/>
+          <p:cNvPicPr>
+            <a:picLocks noChangeAspect="1"/>
+          </p:cNvPicPr>
+          <p:nvPr>
+            <p:ph idx="1"/>
+          </p:nvPr>
+        </p:nvPicPr>
+        <p:blipFill>
+          <a:blip r:embed="rId1"/>
+          <a:stretch>
+            <a:fillRect/>
+          </a:stretch>
+        </p:blipFill>
+        <p:spPr>
+          <a:xfrm>
+            <a:off x="1448435" y="1551940"/>
+            <a:ext cx="7280275" cy="5031105"/>
+          </a:xfrm>
+          <a:prstGeom prst="rect">
+            <a:avLst/>
+          </a:prstGeom>
+        </p:spPr>
+      </p:pic>
+    </p:spTree>
+  </p:cSld>
+  <p:clrMapOvr>
+    <a:masterClrMapping/>
+  </p:clrMapOvr>
+</p:sld>
+</file>
+
+<file path=ppt/slides/slide14.xml><?xml version="1.0" encoding="utf-8"?>
+<p:sld xmlns:a="http://schemas.openxmlformats.org/drawingml/2006/main" xmlns:r="http://schemas.openxmlformats.org/officeDocument/2006/relationships" xmlns:p="http://schemas.openxmlformats.org/presentationml/2006/main">
+  <p:cSld>
+    <p:spTree>
+      <p:nvGrpSpPr>
+        <p:cNvPr id="1" name=""/>
+        <p:cNvGrpSpPr/>
+        <p:nvPr/>
+      </p:nvGrpSpPr>
+      <p:grpSpPr/>
+      <p:sp>
+        <p:nvSpPr>
+          <p:cNvPr id="2" name="Title 1"/>
+          <p:cNvSpPr>
+            <a:spLocks noGrp="1"/>
+          </p:cNvSpPr>
+          <p:nvPr>
+            <p:ph type="title"/>
+          </p:nvPr>
+        </p:nvSpPr>
+        <p:spPr/>
+        <p:txBody>
+          <a:bodyPr/>
+          <a:p>
+            <a:r>
+              <a:rPr lang="" altLang="en-US"/>
+              <a:t>Exps</a:t>
+            </a:r>
+            <a:endParaRPr lang="" altLang="en-US"/>
+          </a:p>
+        </p:txBody>
+      </p:sp>
+      <p:sp>
+        <p:nvSpPr>
+          <p:cNvPr id="4" name="Text Box 3"/>
+          <p:cNvSpPr txBox="1"/>
+          <p:nvPr/>
+        </p:nvSpPr>
+        <p:spPr>
+          <a:xfrm>
+            <a:off x="838200" y="1691005"/>
+            <a:ext cx="9753600" cy="1476375"/>
+          </a:xfrm>
+          <a:prstGeom prst="rect">
+            <a:avLst/>
+          </a:prstGeom>
+          <a:noFill/>
+        </p:spPr>
+        <p:txBody>
+          <a:bodyPr wrap="square" rtlCol="0">
+            <a:spAutoFit/>
+          </a:bodyPr>
+          <a:p>
+            <a:r>
+              <a:rPr lang="" altLang="en-US"/>
+              <a:t>Cast shadows onto the plane.</a:t>
+            </a:r>
+            <a:endParaRPr lang="" altLang="en-US"/>
+          </a:p>
+          <a:p>
+            <a:endParaRPr lang="" altLang="en-US"/>
+          </a:p>
+          <a:p>
+            <a:r>
+              <a:rPr lang="" altLang="en-US"/>
+              <a:t>Plot shadows w.r.t. SH bands.</a:t>
+            </a:r>
+            <a:endParaRPr lang="" altLang="en-US"/>
+          </a:p>
+          <a:p>
+            <a:endParaRPr lang="" altLang="en-US"/>
+          </a:p>
+          <a:p>
+            <a:r>
+              <a:rPr lang="" altLang="en-US"/>
+              <a:t>Live demo!</a:t>
+            </a:r>
+            <a:endParaRPr lang="" altLang="en-US"/>
+          </a:p>
+        </p:txBody>
+      </p:sp>
+      <p:pic>
+        <p:nvPicPr>
+          <p:cNvPr id="5" name="Picture 4"/>
+          <p:cNvPicPr>
+            <a:picLocks noChangeAspect="1"/>
+          </p:cNvPicPr>
+          <p:nvPr/>
+        </p:nvPicPr>
+        <p:blipFill>
+          <a:blip r:embed="rId1"/>
+          <a:stretch>
+            <a:fillRect/>
+          </a:stretch>
+        </p:blipFill>
+        <p:spPr>
+          <a:xfrm>
+            <a:off x="4133215" y="453390"/>
+            <a:ext cx="7929880" cy="5481320"/>
+          </a:xfrm>
+          <a:prstGeom prst="rect">
+            <a:avLst/>
+          </a:prstGeom>
+        </p:spPr>
+      </p:pic>
+    </p:spTree>
+  </p:cSld>
+  <p:clrMapOvr>
+    <a:masterClrMapping/>
+  </p:clrMapOvr>
+</p:sld>
+</file>
+
+<file path=ppt/slides/slide15.xml><?xml version="1.0" encoding="utf-8"?>
+<p:sld xmlns:a="http://schemas.openxmlformats.org/drawingml/2006/main" xmlns:r="http://schemas.openxmlformats.org/officeDocument/2006/relationships" xmlns:p="http://schemas.openxmlformats.org/presentationml/2006/main">
+  <p:cSld>
+    <p:spTree>
+      <p:nvGrpSpPr>
+        <p:cNvPr id="1" name=""/>
+        <p:cNvGrpSpPr/>
+        <p:nvPr/>
+      </p:nvGrpSpPr>
+      <p:grpSpPr/>
+      <p:sp>
+        <p:nvSpPr>
+          <p:cNvPr id="2" name="Title 1"/>
+          <p:cNvSpPr>
+            <a:spLocks noGrp="1"/>
+          </p:cNvSpPr>
+          <p:nvPr>
+            <p:ph type="title"/>
+          </p:nvPr>
+        </p:nvSpPr>
+        <p:spPr/>
+        <p:txBody>
+          <a:bodyPr/>
+          <a:p>
+            <a:r>
+              <a:rPr lang="" altLang="en-US"/>
+              <a:t>Conclusions</a:t>
+            </a:r>
+            <a:endParaRPr lang="" altLang="en-US"/>
+          </a:p>
+        </p:txBody>
+      </p:sp>
+      <p:sp>
+        <p:nvSpPr>
+          <p:cNvPr id="4" name="Text Box 3"/>
+          <p:cNvSpPr txBox="1"/>
+          <p:nvPr/>
+        </p:nvSpPr>
+        <p:spPr>
+          <a:xfrm>
+            <a:off x="4109085" y="1936115"/>
+            <a:ext cx="9753600" cy="2861310"/>
+          </a:xfrm>
+          <a:prstGeom prst="rect">
+            <a:avLst/>
+          </a:prstGeom>
+          <a:noFill/>
+        </p:spPr>
+        <p:txBody>
+          <a:bodyPr wrap="square" rtlCol="0">
+            <a:spAutoFit/>
+          </a:bodyPr>
+          <a:p>
+            <a:r>
+              <a:rPr lang="" altLang="en-US"/>
+              <a:t>Cons:</a:t>
+            </a:r>
+            <a:endParaRPr lang="" altLang="en-US"/>
+          </a:p>
+          <a:p>
+            <a:r>
+              <a:rPr lang="" altLang="en-US"/>
+              <a:t>1. It's </a:t>
+            </a:r>
+            <a:r>
+              <a:rPr lang="" altLang="en-US" b="1"/>
+              <a:t>hard</a:t>
+            </a:r>
+            <a:r>
+              <a:rPr lang="" altLang="en-US"/>
+              <a:t> to use SH to render hard shadows</a:t>
+            </a:r>
+            <a:endParaRPr lang="" altLang="en-US"/>
+          </a:p>
+          <a:p>
+            <a:r>
+              <a:rPr lang="" altLang="en-US"/>
+              <a:t>even use 11 band (121 bases)</a:t>
+            </a:r>
+            <a:endParaRPr lang="" altLang="en-US"/>
+          </a:p>
+          <a:p>
+            <a:endParaRPr lang="" altLang="en-US"/>
+          </a:p>
+          <a:p>
+            <a:r>
+              <a:rPr lang="" altLang="en-US"/>
+              <a:t>2. Shadow resolution depends on vertices of shadow </a:t>
+            </a:r>
+            <a:endParaRPr lang="" altLang="en-US"/>
+          </a:p>
+          <a:p>
+            <a:r>
+              <a:rPr lang="" altLang="en-US"/>
+              <a:t>receiver</a:t>
+            </a:r>
+            <a:endParaRPr lang="" altLang="en-US"/>
+          </a:p>
+          <a:p>
+            <a:endParaRPr lang="" altLang="en-US"/>
+          </a:p>
+          <a:p>
+            <a:r>
+              <a:rPr lang="" altLang="en-US"/>
+              <a:t>3. Static scene, visibility test is expensive to compute</a:t>
+            </a:r>
+            <a:endParaRPr lang="" altLang="en-US"/>
+          </a:p>
+          <a:p>
+            <a:endParaRPr lang="" altLang="en-US"/>
+          </a:p>
+          <a:p>
+            <a:endParaRPr lang="" altLang="en-US"/>
+          </a:p>
+        </p:txBody>
+      </p:sp>
+      <p:pic>
+        <p:nvPicPr>
+          <p:cNvPr id="5" name="Picture 4"/>
+          <p:cNvPicPr>
+            <a:picLocks noChangeAspect="1"/>
+          </p:cNvPicPr>
+          <p:nvPr/>
+        </p:nvPicPr>
+        <p:blipFill>
+          <a:blip r:embed="rId1"/>
+          <a:stretch>
+            <a:fillRect/>
+          </a:stretch>
+        </p:blipFill>
+        <p:spPr>
+          <a:xfrm>
+            <a:off x="9023350" y="29210"/>
+            <a:ext cx="3122930" cy="2159000"/>
+          </a:xfrm>
+          <a:prstGeom prst="rect">
+            <a:avLst/>
+          </a:prstGeom>
+        </p:spPr>
+      </p:pic>
+      <p:sp>
+        <p:nvSpPr>
+          <p:cNvPr id="3" name="Text Box 2"/>
+          <p:cNvSpPr txBox="1"/>
+          <p:nvPr/>
+        </p:nvSpPr>
+        <p:spPr>
+          <a:xfrm>
+            <a:off x="139065" y="1936115"/>
+            <a:ext cx="4188460" cy="2861310"/>
+          </a:xfrm>
+          <a:prstGeom prst="rect">
+            <a:avLst/>
+          </a:prstGeom>
+          <a:noFill/>
+        </p:spPr>
+        <p:txBody>
+          <a:bodyPr wrap="square" rtlCol="0" anchor="t">
+            <a:spAutoFit/>
+          </a:bodyPr>
+          <a:p>
+            <a:r>
+              <a:rPr lang="en-US" altLang="en-US">
+                <a:sym typeface="+mn-ea"/>
+              </a:rPr>
+              <a:t>Pros: </a:t>
+            </a:r>
+            <a:endParaRPr lang="en-US" altLang="en-US">
+              <a:sym typeface="+mn-ea"/>
+            </a:endParaRPr>
+          </a:p>
+          <a:p>
+            <a:pPr marL="342900" indent="-342900">
+              <a:buAutoNum type="arabicPeriod"/>
+            </a:pPr>
+            <a:r>
+              <a:rPr lang="" altLang="en-US">
+                <a:sym typeface="+mn-ea"/>
+              </a:rPr>
+              <a:t>Efficient rendering in runtime</a:t>
+            </a:r>
+            <a:endParaRPr lang="" altLang="en-US">
+              <a:sym typeface="+mn-ea"/>
+            </a:endParaRPr>
+          </a:p>
+          <a:p>
+            <a:pPr marL="342900" indent="-342900">
+              <a:buAutoNum type="arabicPeriod"/>
+            </a:pPr>
+            <a:endParaRPr lang="" altLang="en-US">
+              <a:sym typeface="+mn-ea"/>
+            </a:endParaRPr>
+          </a:p>
+          <a:p>
+            <a:pPr marL="342900" indent="-342900">
+              <a:buAutoNum type="arabicPeriod"/>
+            </a:pPr>
+            <a:r>
+              <a:rPr lang="" altLang="en-US">
+                <a:sym typeface="+mn-ea"/>
+              </a:rPr>
+              <a:t>General basis for integral of spherical surface</a:t>
+            </a:r>
+            <a:endParaRPr lang="" altLang="en-US">
+              <a:sym typeface="+mn-ea"/>
+            </a:endParaRPr>
+          </a:p>
+          <a:p>
+            <a:pPr marL="342900" indent="-342900">
+              <a:buAutoNum type="arabicPeriod"/>
+            </a:pPr>
+            <a:endParaRPr lang="" altLang="en-US">
+              <a:sym typeface="+mn-ea"/>
+            </a:endParaRPr>
+          </a:p>
+          <a:p>
+            <a:pPr marL="342900" indent="-342900">
+              <a:buAutoNum type="arabicPeriod"/>
+            </a:pPr>
+            <a:r>
+              <a:rPr lang="" altLang="en-US">
+                <a:sym typeface="+mn-ea"/>
+              </a:rPr>
+              <a:t>Low level details from low order basis</a:t>
+            </a:r>
+            <a:endParaRPr lang="" altLang="en-US">
+              <a:sym typeface="+mn-ea"/>
+            </a:endParaRPr>
+          </a:p>
+          <a:p>
+            <a:pPr marL="342900" indent="-342900">
+              <a:buAutoNum type="arabicPeriod"/>
+            </a:pPr>
+            <a:endParaRPr lang="" altLang="en-US">
+              <a:sym typeface="+mn-ea"/>
+            </a:endParaRPr>
+          </a:p>
+          <a:p>
+            <a:endParaRPr lang="" altLang="en-US">
+              <a:sym typeface="+mn-ea"/>
+            </a:endParaRPr>
+          </a:p>
+        </p:txBody>
+      </p:sp>
+    </p:spTree>
+  </p:cSld>
+  <p:clrMapOvr>
+    <a:masterClrMapping/>
+  </p:clrMapOvr>
+</p:sld>
+</file>
+
+<file path=ppt/slides/slide16.xml><?xml version="1.0" encoding="utf-8"?>
+<p:sld xmlns:a="http://schemas.openxmlformats.org/drawingml/2006/main" xmlns:r="http://schemas.openxmlformats.org/officeDocument/2006/relationships" xmlns:p="http://schemas.openxmlformats.org/presentationml/2006/main">
+  <p:cSld>
+    <p:spTree>
+      <p:nvGrpSpPr>
+        <p:cNvPr id="1" name=""/>
+        <p:cNvGrpSpPr/>
+        <p:nvPr/>
+      </p:nvGrpSpPr>
+      <p:grpSpPr/>
+      <p:sp>
+        <p:nvSpPr>
+          <p:cNvPr id="2" name="Title 1"/>
+          <p:cNvSpPr>
+            <a:spLocks noGrp="1"/>
+          </p:cNvSpPr>
+          <p:nvPr>
+            <p:ph type="title"/>
+          </p:nvPr>
+        </p:nvSpPr>
+        <p:spPr/>
+        <p:txBody>
+          <a:bodyPr/>
+          <a:p>
+            <a:r>
+              <a:rPr lang="en-US" altLang="en-US"/>
               <a:t>Exp on bands (1~11)</a:t>
             </a:r>
             <a:endParaRPr lang="en-US" altLang="en-US"/>
@@ -3006,6 +3584,120 @@
 </file>
 
 <file path=ppt/slides/slide2.xml><?xml version="1.0" encoding="utf-8"?>
+<p:sld xmlns:a="http://schemas.openxmlformats.org/drawingml/2006/main" xmlns:r="http://schemas.openxmlformats.org/officeDocument/2006/relationships" xmlns:p="http://schemas.openxmlformats.org/presentationml/2006/main">
+  <p:cSld>
+    <p:spTree>
+      <p:nvGrpSpPr>
+        <p:cNvPr id="1" name=""/>
+        <p:cNvGrpSpPr/>
+        <p:nvPr/>
+      </p:nvGrpSpPr>
+      <p:grpSpPr/>
+      <p:sp>
+        <p:nvSpPr>
+          <p:cNvPr id="2" name="Title 1"/>
+          <p:cNvSpPr>
+            <a:spLocks noGrp="1"/>
+          </p:cNvSpPr>
+          <p:nvPr>
+            <p:ph type="title"/>
+          </p:nvPr>
+        </p:nvSpPr>
+        <p:spPr/>
+        <p:txBody>
+          <a:bodyPr/>
+          <a:p>
+            <a:r>
+              <a:rPr lang="" altLang="en-US"/>
+              <a:t>Recap</a:t>
+            </a:r>
+            <a:endParaRPr lang="" altLang="en-US"/>
+          </a:p>
+        </p:txBody>
+      </p:sp>
+      <p:sp>
+        <p:nvSpPr>
+          <p:cNvPr id="3" name="Content Placeholder 2"/>
+          <p:cNvSpPr>
+            <a:spLocks noGrp="1"/>
+          </p:cNvSpPr>
+          <p:nvPr>
+            <p:ph idx="1"/>
+          </p:nvPr>
+        </p:nvSpPr>
+        <p:spPr/>
+        <p:txBody>
+          <a:bodyPr/>
+          <a:p>
+            <a:r>
+              <a:rPr lang="" altLang="en-US"/>
+              <a:t>Spherical harmonics</a:t>
+            </a:r>
+            <a:endParaRPr lang="" altLang="en-US"/>
+          </a:p>
+          <a:p>
+            <a:pPr lvl="1"/>
+            <a:r>
+              <a:rPr lang="" altLang="en-US"/>
+              <a:t>Basis are orthogonal with each other </a:t>
+            </a:r>
+            <a:endParaRPr lang="" altLang="en-US"/>
+          </a:p>
+          <a:p>
+            <a:pPr lvl="1"/>
+            <a:endParaRPr lang="" altLang="en-US"/>
+          </a:p>
+          <a:p>
+            <a:pPr lvl="1"/>
+            <a:r>
+              <a:rPr lang="" altLang="en-US"/>
+              <a:t>Integration is reduced to dot product</a:t>
+            </a:r>
+            <a:endParaRPr lang="" altLang="en-US"/>
+          </a:p>
+          <a:p>
+            <a:pPr lvl="1"/>
+            <a:endParaRPr lang="" altLang="en-US"/>
+          </a:p>
+          <a:p>
+            <a:pPr lvl="1"/>
+            <a:endParaRPr lang="" altLang="en-US"/>
+          </a:p>
+        </p:txBody>
+      </p:sp>
+      <p:pic>
+        <p:nvPicPr>
+          <p:cNvPr id="4" name="Picture 3"/>
+          <p:cNvPicPr>
+            <a:picLocks noChangeAspect="1"/>
+          </p:cNvPicPr>
+          <p:nvPr/>
+        </p:nvPicPr>
+        <p:blipFill>
+          <a:blip r:embed="rId1"/>
+          <a:stretch>
+            <a:fillRect/>
+          </a:stretch>
+        </p:blipFill>
+        <p:spPr>
+          <a:xfrm>
+            <a:off x="1368425" y="3649980"/>
+            <a:ext cx="3717925" cy="1160145"/>
+          </a:xfrm>
+          <a:prstGeom prst="rect">
+            <a:avLst/>
+          </a:prstGeom>
+        </p:spPr>
+      </p:pic>
+    </p:spTree>
+  </p:cSld>
+  <p:clrMapOvr>
+    <a:masterClrMapping/>
+  </p:clrMapOvr>
+</p:sld>
+</file>
+
+<file path=ppt/slides/slide3.xml><?xml version="1.0" encoding="utf-8"?>
 <p:sld xmlns:a="http://schemas.openxmlformats.org/drawingml/2006/main" xmlns:r="http://schemas.openxmlformats.org/officeDocument/2006/relationships" xmlns:p="http://schemas.openxmlformats.org/presentationml/2006/main">
   <p:cSld>
     <p:spTree>
@@ -3102,7 +3794,7 @@
 </p:sld>
 </file>
 
-<file path=ppt/slides/slide3.xml><?xml version="1.0" encoding="utf-8"?>
+<file path=ppt/slides/slide4.xml><?xml version="1.0" encoding="utf-8"?>
 <p:sld xmlns:a="http://schemas.openxmlformats.org/drawingml/2006/main" xmlns:r="http://schemas.openxmlformats.org/officeDocument/2006/relationships" xmlns:p="http://schemas.openxmlformats.org/presentationml/2006/main">
   <p:cSld>
     <p:spTree>
@@ -3228,7 +3920,782 @@
 </p:sld>
 </file>
 
-<file path=ppt/slides/slide4.xml><?xml version="1.0" encoding="utf-8"?>
+<file path=ppt/slides/slide5.xml><?xml version="1.0" encoding="utf-8"?>
+<p:sld xmlns:a="http://schemas.openxmlformats.org/drawingml/2006/main" xmlns:r="http://schemas.openxmlformats.org/officeDocument/2006/relationships" xmlns:p="http://schemas.openxmlformats.org/presentationml/2006/main">
+  <p:cSld>
+    <p:spTree>
+      <p:nvGrpSpPr>
+        <p:cNvPr id="1" name=""/>
+        <p:cNvGrpSpPr/>
+        <p:nvPr/>
+      </p:nvGrpSpPr>
+      <p:grpSpPr/>
+      <p:sp>
+        <p:nvSpPr>
+          <p:cNvPr id="2" name="Title 1"/>
+          <p:cNvSpPr>
+            <a:spLocks noGrp="1"/>
+          </p:cNvSpPr>
+          <p:nvPr>
+            <p:ph type="title"/>
+          </p:nvPr>
+        </p:nvSpPr>
+        <p:spPr/>
+        <p:txBody>
+          <a:bodyPr/>
+          <a:p>
+            <a:r>
+              <a:rPr lang="" altLang="en-US"/>
+              <a:t>Implementation details</a:t>
+            </a:r>
+            <a:endParaRPr lang="" altLang="en-US"/>
+          </a:p>
+        </p:txBody>
+      </p:sp>
+      <p:sp>
+        <p:nvSpPr>
+          <p:cNvPr id="3" name="Content Placeholder 2"/>
+          <p:cNvSpPr>
+            <a:spLocks noGrp="1"/>
+          </p:cNvSpPr>
+          <p:nvPr>
+            <p:ph idx="1"/>
+          </p:nvPr>
+        </p:nvSpPr>
+        <p:spPr/>
+        <p:txBody>
+          <a:bodyPr/>
+          <a:p>
+            <a:r>
+              <a:rPr lang="" altLang="en-US"/>
+              <a:t>Cuda helper container</a:t>
+            </a:r>
+            <a:endParaRPr lang="" altLang="en-US"/>
+          </a:p>
+        </p:txBody>
+      </p:sp>
+      <p:pic>
+        <p:nvPicPr>
+          <p:cNvPr id="4" name="Picture 3"/>
+          <p:cNvPicPr>
+            <a:picLocks noChangeAspect="1"/>
+          </p:cNvPicPr>
+          <p:nvPr/>
+        </p:nvPicPr>
+        <p:blipFill>
+          <a:blip r:embed="rId1"/>
+          <a:stretch>
+            <a:fillRect/>
+          </a:stretch>
+        </p:blipFill>
+        <p:spPr>
+          <a:xfrm>
+            <a:off x="5293995" y="1521460"/>
+            <a:ext cx="6469380" cy="5136515"/>
+          </a:xfrm>
+          <a:prstGeom prst="rect">
+            <a:avLst/>
+          </a:prstGeom>
+        </p:spPr>
+      </p:pic>
+      <p:sp>
+        <p:nvSpPr>
+          <p:cNvPr id="5" name="Rounded Rectangle 4"/>
+          <p:cNvSpPr/>
+          <p:nvPr/>
+        </p:nvSpPr>
+        <p:spPr>
+          <a:xfrm>
+            <a:off x="5581015" y="2308860"/>
+            <a:ext cx="4949825" cy="770890"/>
+          </a:xfrm>
+          <a:prstGeom prst="roundRect">
+            <a:avLst/>
+          </a:prstGeom>
+          <a:noFill/>
+          <a:ln w="28575" cmpd="sng">
+            <a:solidFill>
+              <a:srgbClr val="FF0000"/>
+            </a:solidFill>
+            <a:prstDash val="solid"/>
+          </a:ln>
+        </p:spPr>
+        <p:style>
+          <a:lnRef idx="2">
+            <a:schemeClr val="accent1">
+              <a:shade val="50000"/>
+            </a:schemeClr>
+          </a:lnRef>
+          <a:fillRef idx="1">
+            <a:schemeClr val="accent1"/>
+          </a:fillRef>
+          <a:effectRef idx="0">
+            <a:schemeClr val="accent1"/>
+          </a:effectRef>
+          <a:fontRef idx="minor">
+            <a:schemeClr val="lt1"/>
+          </a:fontRef>
+        </p:style>
+        <p:txBody>
+          <a:bodyPr rtlCol="0" anchor="ctr"/>
+          <a:p>
+            <a:pPr algn="ctr"/>
+            <a:endParaRPr lang="en-US"/>
+          </a:p>
+        </p:txBody>
+      </p:sp>
+      <p:sp>
+        <p:nvSpPr>
+          <p:cNvPr id="6" name="Rounded Rectangle 5"/>
+          <p:cNvSpPr/>
+          <p:nvPr/>
+        </p:nvSpPr>
+        <p:spPr>
+          <a:xfrm>
+            <a:off x="5581015" y="3079750"/>
+            <a:ext cx="4949825" cy="551180"/>
+          </a:xfrm>
+          <a:prstGeom prst="roundRect">
+            <a:avLst/>
+          </a:prstGeom>
+          <a:noFill/>
+          <a:ln w="28575" cmpd="sng">
+            <a:solidFill>
+              <a:srgbClr val="FF0000"/>
+            </a:solidFill>
+            <a:prstDash val="solid"/>
+          </a:ln>
+        </p:spPr>
+        <p:style>
+          <a:lnRef idx="2">
+            <a:schemeClr val="accent1">
+              <a:shade val="50000"/>
+            </a:schemeClr>
+          </a:lnRef>
+          <a:fillRef idx="1">
+            <a:schemeClr val="accent1"/>
+          </a:fillRef>
+          <a:effectRef idx="0">
+            <a:schemeClr val="accent1"/>
+          </a:effectRef>
+          <a:fontRef idx="minor">
+            <a:schemeClr val="lt1"/>
+          </a:fontRef>
+        </p:style>
+        <p:txBody>
+          <a:bodyPr rtlCol="0" anchor="ctr"/>
+          <a:p>
+            <a:pPr algn="ctr"/>
+            <a:endParaRPr lang="en-US"/>
+          </a:p>
+        </p:txBody>
+      </p:sp>
+      <p:sp>
+        <p:nvSpPr>
+          <p:cNvPr id="7" name="Rounded Rectangle 6"/>
+          <p:cNvSpPr/>
+          <p:nvPr/>
+        </p:nvSpPr>
+        <p:spPr>
+          <a:xfrm>
+            <a:off x="5594985" y="4864735"/>
+            <a:ext cx="5867400" cy="866140"/>
+          </a:xfrm>
+          <a:prstGeom prst="roundRect">
+            <a:avLst/>
+          </a:prstGeom>
+          <a:noFill/>
+          <a:ln w="28575" cmpd="sng">
+            <a:solidFill>
+              <a:srgbClr val="FF0000"/>
+            </a:solidFill>
+            <a:prstDash val="solid"/>
+          </a:ln>
+        </p:spPr>
+        <p:style>
+          <a:lnRef idx="2">
+            <a:schemeClr val="accent1">
+              <a:shade val="50000"/>
+            </a:schemeClr>
+          </a:lnRef>
+          <a:fillRef idx="1">
+            <a:schemeClr val="accent1"/>
+          </a:fillRef>
+          <a:effectRef idx="0">
+            <a:schemeClr val="accent1"/>
+          </a:effectRef>
+          <a:fontRef idx="minor">
+            <a:schemeClr val="lt1"/>
+          </a:fontRef>
+        </p:style>
+        <p:txBody>
+          <a:bodyPr rtlCol="0" anchor="ctr"/>
+          <a:p>
+            <a:pPr algn="ctr"/>
+            <a:endParaRPr lang="en-US"/>
+          </a:p>
+        </p:txBody>
+      </p:sp>
+    </p:spTree>
+  </p:cSld>
+  <p:clrMapOvr>
+    <a:masterClrMapping/>
+  </p:clrMapOvr>
+</p:sld>
+</file>
+
+<file path=ppt/slides/slide6.xml><?xml version="1.0" encoding="utf-8"?>
+<p:sld xmlns:a="http://schemas.openxmlformats.org/drawingml/2006/main" xmlns:r="http://schemas.openxmlformats.org/officeDocument/2006/relationships" xmlns:p="http://schemas.openxmlformats.org/presentationml/2006/main">
+  <p:cSld>
+    <p:spTree>
+      <p:nvGrpSpPr>
+        <p:cNvPr id="1" name=""/>
+        <p:cNvGrpSpPr/>
+        <p:nvPr/>
+      </p:nvGrpSpPr>
+      <p:grpSpPr/>
+      <p:sp>
+        <p:nvSpPr>
+          <p:cNvPr id="2" name="Title 1"/>
+          <p:cNvSpPr>
+            <a:spLocks noGrp="1"/>
+          </p:cNvSpPr>
+          <p:nvPr>
+            <p:ph type="title"/>
+          </p:nvPr>
+        </p:nvSpPr>
+        <p:spPr/>
+        <p:txBody>
+          <a:bodyPr/>
+          <a:p>
+            <a:r>
+              <a:rPr lang="en-US" altLang="en-US"/>
+              <a:t>Implementation details</a:t>
+            </a:r>
+            <a:endParaRPr lang="en-US" altLang="en-US"/>
+          </a:p>
+        </p:txBody>
+      </p:sp>
+      <p:sp>
+        <p:nvSpPr>
+          <p:cNvPr id="3" name="Content Placeholder 2"/>
+          <p:cNvSpPr>
+            <a:spLocks noGrp="1"/>
+          </p:cNvSpPr>
+          <p:nvPr>
+            <p:ph idx="1"/>
+          </p:nvPr>
+        </p:nvSpPr>
+        <p:spPr/>
+        <p:txBody>
+          <a:bodyPr/>
+          <a:p>
+            <a:r>
+              <a:rPr lang="" altLang="en-US"/>
+              <a:t>Projection into SH basis, monte carlo integration</a:t>
+            </a:r>
+            <a:endParaRPr lang="" altLang="en-US"/>
+          </a:p>
+        </p:txBody>
+      </p:sp>
+      <p:pic>
+        <p:nvPicPr>
+          <p:cNvPr id="8" name="Content Placeholder 3"/>
+          <p:cNvPicPr>
+            <a:picLocks noChangeAspect="1"/>
+          </p:cNvPicPr>
+          <p:nvPr/>
+        </p:nvPicPr>
+        <p:blipFill>
+          <a:blip r:embed="rId1"/>
+          <a:stretch>
+            <a:fillRect/>
+          </a:stretch>
+        </p:blipFill>
+        <p:spPr>
+          <a:xfrm>
+            <a:off x="904875" y="2374900"/>
+            <a:ext cx="10153650" cy="3648075"/>
+          </a:xfrm>
+          <a:prstGeom prst="rect">
+            <a:avLst/>
+          </a:prstGeom>
+        </p:spPr>
+      </p:pic>
+      <p:sp>
+        <p:nvSpPr>
+          <p:cNvPr id="9" name="Rectangle 8"/>
+          <p:cNvSpPr/>
+          <p:nvPr/>
+        </p:nvSpPr>
+        <p:spPr>
+          <a:xfrm>
+            <a:off x="1857375" y="4034155"/>
+            <a:ext cx="9077960" cy="1440180"/>
+          </a:xfrm>
+          <a:prstGeom prst="rect">
+            <a:avLst/>
+          </a:prstGeom>
+          <a:noFill/>
+          <a:ln w="28575" cmpd="sng">
+            <a:solidFill>
+              <a:srgbClr val="FF0000"/>
+            </a:solidFill>
+            <a:prstDash val="solid"/>
+          </a:ln>
+        </p:spPr>
+        <p:style>
+          <a:lnRef idx="2">
+            <a:schemeClr val="accent1">
+              <a:shade val="50000"/>
+            </a:schemeClr>
+          </a:lnRef>
+          <a:fillRef idx="1">
+            <a:schemeClr val="accent1"/>
+          </a:fillRef>
+          <a:effectRef idx="0">
+            <a:schemeClr val="accent1"/>
+          </a:effectRef>
+          <a:fontRef idx="minor">
+            <a:schemeClr val="lt1"/>
+          </a:fontRef>
+        </p:style>
+        <p:txBody>
+          <a:bodyPr rtlCol="0" anchor="ctr"/>
+          <a:p>
+            <a:pPr algn="ctr"/>
+            <a:endParaRPr lang="en-US"/>
+          </a:p>
+        </p:txBody>
+      </p:sp>
+      <p:sp>
+        <p:nvSpPr>
+          <p:cNvPr id="10" name="Rectangle 9"/>
+          <p:cNvSpPr/>
+          <p:nvPr/>
+        </p:nvSpPr>
+        <p:spPr>
+          <a:xfrm>
+            <a:off x="1271905" y="3646170"/>
+            <a:ext cx="3761740" cy="191135"/>
+          </a:xfrm>
+          <a:prstGeom prst="rect">
+            <a:avLst/>
+          </a:prstGeom>
+          <a:noFill/>
+          <a:ln w="28575" cmpd="sng">
+            <a:solidFill>
+              <a:srgbClr val="FF0000"/>
+            </a:solidFill>
+            <a:prstDash val="solid"/>
+          </a:ln>
+        </p:spPr>
+        <p:style>
+          <a:lnRef idx="2">
+            <a:schemeClr val="accent1">
+              <a:shade val="50000"/>
+            </a:schemeClr>
+          </a:lnRef>
+          <a:fillRef idx="1">
+            <a:schemeClr val="accent1"/>
+          </a:fillRef>
+          <a:effectRef idx="0">
+            <a:schemeClr val="accent1"/>
+          </a:effectRef>
+          <a:fontRef idx="minor">
+            <a:schemeClr val="lt1"/>
+          </a:fontRef>
+        </p:style>
+        <p:txBody>
+          <a:bodyPr rtlCol="0" anchor="ctr"/>
+          <a:p>
+            <a:pPr algn="ctr"/>
+            <a:endParaRPr lang="en-US"/>
+          </a:p>
+        </p:txBody>
+      </p:sp>
+      <p:sp>
+        <p:nvSpPr>
+          <p:cNvPr id="11" name="Text Box 10"/>
+          <p:cNvSpPr txBox="1"/>
+          <p:nvPr/>
+        </p:nvSpPr>
+        <p:spPr>
+          <a:xfrm>
+            <a:off x="6865620" y="2720340"/>
+            <a:ext cx="4192905" cy="1198880"/>
+          </a:xfrm>
+          <a:prstGeom prst="rect">
+            <a:avLst/>
+          </a:prstGeom>
+          <a:noFill/>
+        </p:spPr>
+        <p:txBody>
+          <a:bodyPr wrap="square" rtlCol="0">
+            <a:spAutoFit/>
+          </a:bodyPr>
+          <a:p>
+            <a:r>
+              <a:rPr lang="" altLang="en-US" b="1">
+                <a:solidFill>
+                  <a:schemeClr val="bg1">
+                    <a:lumMod val="85000"/>
+                  </a:schemeClr>
+                </a:solidFill>
+              </a:rPr>
+              <a:t>For each vertex</a:t>
+            </a:r>
+            <a:endParaRPr lang="" altLang="en-US" b="1">
+              <a:solidFill>
+                <a:schemeClr val="bg1">
+                  <a:lumMod val="85000"/>
+                </a:schemeClr>
+              </a:solidFill>
+            </a:endParaRPr>
+          </a:p>
+          <a:p>
+            <a:r>
+              <a:rPr lang="" altLang="en-US" b="1">
+                <a:solidFill>
+                  <a:schemeClr val="bg1">
+                    <a:lumMod val="85000"/>
+                  </a:schemeClr>
+                </a:solidFill>
+              </a:rPr>
+              <a:t>For each basis</a:t>
+            </a:r>
+            <a:endParaRPr lang="" altLang="en-US" b="1">
+              <a:solidFill>
+                <a:schemeClr val="bg1">
+                  <a:lumMod val="85000"/>
+                </a:schemeClr>
+              </a:solidFill>
+            </a:endParaRPr>
+          </a:p>
+          <a:p>
+            <a:endParaRPr lang="" altLang="en-US" b="1">
+              <a:solidFill>
+                <a:schemeClr val="bg1">
+                  <a:lumMod val="85000"/>
+                </a:schemeClr>
+              </a:solidFill>
+            </a:endParaRPr>
+          </a:p>
+          <a:p>
+            <a:r>
+              <a:rPr lang="" altLang="en-US" b="1">
+                <a:solidFill>
+                  <a:schemeClr val="bg1">
+                    <a:lumMod val="85000"/>
+                  </a:schemeClr>
+                </a:solidFill>
+              </a:rPr>
+              <a:t>Monte carlo integration</a:t>
+            </a:r>
+            <a:endParaRPr lang="" altLang="en-US" b="1">
+              <a:solidFill>
+                <a:schemeClr val="bg1">
+                  <a:lumMod val="85000"/>
+                </a:schemeClr>
+              </a:solidFill>
+            </a:endParaRPr>
+          </a:p>
+        </p:txBody>
+      </p:sp>
+      <p:cxnSp>
+        <p:nvCxnSpPr>
+          <p:cNvPr id="12" name="Straight Arrow Connector 11"/>
+          <p:cNvCxnSpPr/>
+          <p:nvPr/>
+        </p:nvCxnSpPr>
+        <p:spPr>
+          <a:xfrm flipH="1">
+            <a:off x="5037455" y="2867025"/>
+            <a:ext cx="1858010" cy="734060"/>
+          </a:xfrm>
+          <a:prstGeom prst="straightConnector1">
+            <a:avLst/>
+          </a:prstGeom>
+          <a:ln w="25400">
+            <a:solidFill>
+              <a:srgbClr val="FF0000"/>
+            </a:solidFill>
+            <a:tailEnd type="arrow"/>
+          </a:ln>
+        </p:spPr>
+        <p:style>
+          <a:lnRef idx="1">
+            <a:schemeClr val="accent1"/>
+          </a:lnRef>
+          <a:fillRef idx="0">
+            <a:schemeClr val="accent1"/>
+          </a:fillRef>
+          <a:effectRef idx="0">
+            <a:schemeClr val="accent1"/>
+          </a:effectRef>
+          <a:fontRef idx="minor">
+            <a:schemeClr val="tx1"/>
+          </a:fontRef>
+        </p:style>
+      </p:cxnSp>
+      <p:cxnSp>
+        <p:nvCxnSpPr>
+          <p:cNvPr id="13" name="Straight Arrow Connector 12"/>
+          <p:cNvCxnSpPr/>
+          <p:nvPr/>
+        </p:nvCxnSpPr>
+        <p:spPr>
+          <a:xfrm flipH="1">
+            <a:off x="4545330" y="3185160"/>
+            <a:ext cx="2346325" cy="753745"/>
+          </a:xfrm>
+          <a:prstGeom prst="straightConnector1">
+            <a:avLst/>
+          </a:prstGeom>
+          <a:ln w="25400">
+            <a:solidFill>
+              <a:srgbClr val="FF0000"/>
+            </a:solidFill>
+            <a:tailEnd type="arrow"/>
+          </a:ln>
+        </p:spPr>
+        <p:style>
+          <a:lnRef idx="1">
+            <a:schemeClr val="accent1"/>
+          </a:lnRef>
+          <a:fillRef idx="0">
+            <a:schemeClr val="accent1"/>
+          </a:fillRef>
+          <a:effectRef idx="0">
+            <a:schemeClr val="accent1"/>
+          </a:effectRef>
+          <a:fontRef idx="minor">
+            <a:schemeClr val="tx1"/>
+          </a:fontRef>
+        </p:style>
+      </p:cxnSp>
+    </p:spTree>
+  </p:cSld>
+  <p:clrMapOvr>
+    <a:masterClrMapping/>
+  </p:clrMapOvr>
+</p:sld>
+</file>
+
+<file path=ppt/slides/slide7.xml><?xml version="1.0" encoding="utf-8"?>
+<p:sld xmlns:a="http://schemas.openxmlformats.org/drawingml/2006/main" xmlns:r="http://schemas.openxmlformats.org/officeDocument/2006/relationships" xmlns:p="http://schemas.openxmlformats.org/presentationml/2006/main">
+  <p:cSld>
+    <p:spTree>
+      <p:nvGrpSpPr>
+        <p:cNvPr id="1" name=""/>
+        <p:cNvGrpSpPr/>
+        <p:nvPr/>
+      </p:nvGrpSpPr>
+      <p:grpSpPr/>
+      <p:sp>
+        <p:nvSpPr>
+          <p:cNvPr id="2" name="Title 1"/>
+          <p:cNvSpPr>
+            <a:spLocks noGrp="1"/>
+          </p:cNvSpPr>
+          <p:nvPr>
+            <p:ph type="title"/>
+          </p:nvPr>
+        </p:nvSpPr>
+        <p:spPr/>
+        <p:txBody>
+          <a:bodyPr/>
+          <a:p>
+            <a:r>
+              <a:rPr lang="en-US" altLang="en-US"/>
+              <a:t>Implementation details</a:t>
+            </a:r>
+            <a:endParaRPr lang="en-US" altLang="en-US"/>
+          </a:p>
+        </p:txBody>
+      </p:sp>
+      <p:sp>
+        <p:nvSpPr>
+          <p:cNvPr id="3" name="Content Placeholder 2"/>
+          <p:cNvSpPr>
+            <a:spLocks noGrp="1"/>
+          </p:cNvSpPr>
+          <p:nvPr>
+            <p:ph idx="1"/>
+          </p:nvPr>
+        </p:nvSpPr>
+        <p:spPr>
+          <a:xfrm>
+            <a:off x="838200" y="1510030"/>
+            <a:ext cx="10515600" cy="4351338"/>
+          </a:xfrm>
+        </p:spPr>
+        <p:txBody>
+          <a:bodyPr/>
+          <a:p>
+            <a:r>
+              <a:rPr lang="en-US" altLang="en-US"/>
+              <a:t>Projection </a:t>
+            </a:r>
+            <a:r>
+              <a:rPr lang="" altLang="en-US"/>
+              <a:t>lighting</a:t>
+            </a:r>
+            <a:r>
+              <a:rPr lang="en-US" altLang="en-US"/>
+              <a:t> into SH basis, monte carlo integration</a:t>
+            </a:r>
+            <a:endParaRPr lang="en-US" altLang="en-US"/>
+          </a:p>
+        </p:txBody>
+      </p:sp>
+      <p:pic>
+        <p:nvPicPr>
+          <p:cNvPr id="4" name="Picture 3"/>
+          <p:cNvPicPr>
+            <a:picLocks noChangeAspect="1"/>
+          </p:cNvPicPr>
+          <p:nvPr/>
+        </p:nvPicPr>
+        <p:blipFill>
+          <a:blip r:embed="rId1"/>
+          <a:stretch>
+            <a:fillRect/>
+          </a:stretch>
+        </p:blipFill>
+        <p:spPr>
+          <a:xfrm>
+            <a:off x="992505" y="2066925"/>
+            <a:ext cx="6702425" cy="1671320"/>
+          </a:xfrm>
+          <a:prstGeom prst="rect">
+            <a:avLst/>
+          </a:prstGeom>
+        </p:spPr>
+      </p:pic>
+      <p:pic>
+        <p:nvPicPr>
+          <p:cNvPr id="5" name="Picture 4"/>
+          <p:cNvPicPr>
+            <a:picLocks noChangeAspect="1"/>
+          </p:cNvPicPr>
+          <p:nvPr/>
+        </p:nvPicPr>
+        <p:blipFill>
+          <a:blip r:embed="rId2"/>
+          <a:stretch>
+            <a:fillRect/>
+          </a:stretch>
+        </p:blipFill>
+        <p:spPr>
+          <a:xfrm>
+            <a:off x="992505" y="3790950"/>
+            <a:ext cx="7400290" cy="3032760"/>
+          </a:xfrm>
+          <a:prstGeom prst="rect">
+            <a:avLst/>
+          </a:prstGeom>
+        </p:spPr>
+      </p:pic>
+      <p:sp>
+        <p:nvSpPr>
+          <p:cNvPr id="7" name="Rectangle 6"/>
+          <p:cNvSpPr/>
+          <p:nvPr/>
+        </p:nvSpPr>
+        <p:spPr>
+          <a:xfrm>
+            <a:off x="1805940" y="5305425"/>
+            <a:ext cx="6272530" cy="955040"/>
+          </a:xfrm>
+          <a:prstGeom prst="rect">
+            <a:avLst/>
+          </a:prstGeom>
+          <a:noFill/>
+          <a:ln w="25400">
+            <a:solidFill>
+              <a:srgbClr val="FF0000"/>
+            </a:solidFill>
+          </a:ln>
+        </p:spPr>
+        <p:style>
+          <a:lnRef idx="2">
+            <a:schemeClr val="accent1">
+              <a:shade val="50000"/>
+            </a:schemeClr>
+          </a:lnRef>
+          <a:fillRef idx="1">
+            <a:schemeClr val="accent1"/>
+          </a:fillRef>
+          <a:effectRef idx="0">
+            <a:schemeClr val="accent1"/>
+          </a:effectRef>
+          <a:fontRef idx="minor">
+            <a:schemeClr val="lt1"/>
+          </a:fontRef>
+        </p:style>
+        <p:txBody>
+          <a:bodyPr rtlCol="0" anchor="ctr"/>
+          <a:p>
+            <a:pPr algn="ctr"/>
+            <a:endParaRPr lang="en-US"/>
+          </a:p>
+        </p:txBody>
+      </p:sp>
+      <p:sp>
+        <p:nvSpPr>
+          <p:cNvPr id="14" name="Rectangle 13"/>
+          <p:cNvSpPr/>
+          <p:nvPr/>
+        </p:nvSpPr>
+        <p:spPr>
+          <a:xfrm>
+            <a:off x="2866390" y="3941445"/>
+            <a:ext cx="3312795" cy="213360"/>
+          </a:xfrm>
+          <a:prstGeom prst="rect">
+            <a:avLst/>
+          </a:prstGeom>
+          <a:noFill/>
+          <a:ln w="25400">
+            <a:solidFill>
+              <a:srgbClr val="FF0000"/>
+            </a:solidFill>
+          </a:ln>
+        </p:spPr>
+        <p:style>
+          <a:lnRef idx="2">
+            <a:schemeClr val="accent1">
+              <a:shade val="50000"/>
+            </a:schemeClr>
+          </a:lnRef>
+          <a:fillRef idx="1">
+            <a:schemeClr val="accent1"/>
+          </a:fillRef>
+          <a:effectRef idx="0">
+            <a:schemeClr val="accent1"/>
+          </a:effectRef>
+          <a:fontRef idx="minor">
+            <a:schemeClr val="lt1"/>
+          </a:fontRef>
+        </p:style>
+        <p:txBody>
+          <a:bodyPr rtlCol="0" anchor="ctr"/>
+          <a:p>
+            <a:pPr algn="ctr"/>
+            <a:endParaRPr lang="en-US"/>
+          </a:p>
+        </p:txBody>
+      </p:sp>
+    </p:spTree>
+  </p:cSld>
+  <p:clrMapOvr>
+    <a:masterClrMapping/>
+  </p:clrMapOvr>
+</p:sld>
+</file>
+
+<file path=ppt/slides/slide8.xml><?xml version="1.0" encoding="utf-8"?>
 <p:sld xmlns:a="http://schemas.openxmlformats.org/drawingml/2006/main" xmlns:r="http://schemas.openxmlformats.org/officeDocument/2006/relationships" xmlns:p="http://schemas.openxmlformats.org/presentationml/2006/main">
   <p:cSld>
     <p:spTree>
@@ -3347,7 +4814,7 @@
 </p:sld>
 </file>
 
-<file path=ppt/slides/slide5.xml><?xml version="1.0" encoding="utf-8"?>
+<file path=ppt/slides/slide9.xml><?xml version="1.0" encoding="utf-8"?>
 <p:sld xmlns:a="http://schemas.openxmlformats.org/drawingml/2006/main" xmlns:r="http://schemas.openxmlformats.org/officeDocument/2006/relationships" xmlns:p="http://schemas.openxmlformats.org/presentationml/2006/main">
   <p:cSld>
     <p:spTree>
@@ -3494,343 +4961,6 @@
           <a:xfrm>
             <a:off x="7050405" y="2906395"/>
             <a:ext cx="4523740" cy="2580640"/>
-          </a:xfrm>
-          <a:prstGeom prst="rect">
-            <a:avLst/>
-          </a:prstGeom>
-        </p:spPr>
-      </p:pic>
-    </p:spTree>
-  </p:cSld>
-  <p:clrMapOvr>
-    <a:masterClrMapping/>
-  </p:clrMapOvr>
-</p:sld>
-</file>
-
-<file path=ppt/slides/slide6.xml><?xml version="1.0" encoding="utf-8"?>
-<p:sld xmlns:a="http://schemas.openxmlformats.org/drawingml/2006/main" xmlns:r="http://schemas.openxmlformats.org/officeDocument/2006/relationships" xmlns:p="http://schemas.openxmlformats.org/presentationml/2006/main">
-  <p:cSld>
-    <p:spTree>
-      <p:nvGrpSpPr>
-        <p:cNvPr id="1" name=""/>
-        <p:cNvGrpSpPr/>
-        <p:nvPr/>
-      </p:nvGrpSpPr>
-      <p:grpSpPr/>
-      <p:sp>
-        <p:nvSpPr>
-          <p:cNvPr id="2" name="Title 1"/>
-          <p:cNvSpPr>
-            <a:spLocks noGrp="1"/>
-          </p:cNvSpPr>
-          <p:nvPr>
-            <p:ph type="title"/>
-          </p:nvPr>
-        </p:nvSpPr>
-        <p:spPr/>
-        <p:txBody>
-          <a:bodyPr/>
-          <a:p>
-            <a:r>
-              <a:rPr lang="en-US" altLang="en-US"/>
-              <a:t>Visibility </a:t>
-            </a:r>
-            <a:endParaRPr lang="en-US" altLang="en-US"/>
-          </a:p>
-        </p:txBody>
-      </p:sp>
-      <p:pic>
-        <p:nvPicPr>
-          <p:cNvPr id="6" name="Content Placeholder 5"/>
-          <p:cNvPicPr>
-            <a:picLocks noChangeAspect="1"/>
-          </p:cNvPicPr>
-          <p:nvPr>
-            <p:ph idx="1"/>
-          </p:nvPr>
-        </p:nvPicPr>
-        <p:blipFill>
-          <a:blip r:embed="rId1"/>
-          <a:stretch>
-            <a:fillRect/>
-          </a:stretch>
-        </p:blipFill>
-        <p:spPr>
-          <a:xfrm>
-            <a:off x="904240" y="1513840"/>
-            <a:ext cx="7025640" cy="4882515"/>
-          </a:xfrm>
-          <a:prstGeom prst="rect">
-            <a:avLst/>
-          </a:prstGeom>
-        </p:spPr>
-      </p:pic>
-    </p:spTree>
-  </p:cSld>
-  <p:clrMapOvr>
-    <a:masterClrMapping/>
-  </p:clrMapOvr>
-</p:sld>
-</file>
-
-<file path=ppt/slides/slide7.xml><?xml version="1.0" encoding="utf-8"?>
-<p:sld xmlns:a="http://schemas.openxmlformats.org/drawingml/2006/main" xmlns:r="http://schemas.openxmlformats.org/officeDocument/2006/relationships" xmlns:p="http://schemas.openxmlformats.org/presentationml/2006/main">
-  <p:cSld>
-    <p:spTree>
-      <p:nvGrpSpPr>
-        <p:cNvPr id="1" name=""/>
-        <p:cNvGrpSpPr/>
-        <p:nvPr/>
-      </p:nvGrpSpPr>
-      <p:grpSpPr/>
-      <p:sp>
-        <p:nvSpPr>
-          <p:cNvPr id="2" name="Title 1"/>
-          <p:cNvSpPr>
-            <a:spLocks noGrp="1"/>
-          </p:cNvSpPr>
-          <p:nvPr>
-            <p:ph type="title"/>
-          </p:nvPr>
-        </p:nvSpPr>
-        <p:spPr/>
-        <p:txBody>
-          <a:bodyPr/>
-          <a:p>
-            <a:r>
-              <a:rPr lang="en-US" altLang="en-US"/>
-              <a:t>Diffuse(shadowed) SH rendering</a:t>
-            </a:r>
-            <a:endParaRPr lang="en-US" altLang="en-US"/>
-          </a:p>
-        </p:txBody>
-      </p:sp>
-      <p:pic>
-        <p:nvPicPr>
-          <p:cNvPr id="11" name="Picture 10" descr="shadow_24132"/>
-          <p:cNvPicPr>
-            <a:picLocks noChangeAspect="1"/>
-          </p:cNvPicPr>
-          <p:nvPr/>
-        </p:nvPicPr>
-        <p:blipFill>
-          <a:blip r:embed="rId1"/>
-          <a:stretch>
-            <a:fillRect/>
-          </a:stretch>
-        </p:blipFill>
-        <p:spPr>
-          <a:xfrm>
-            <a:off x="6416040" y="2498725"/>
-            <a:ext cx="5486400" cy="3657600"/>
-          </a:xfrm>
-          <a:prstGeom prst="rect">
-            <a:avLst/>
-          </a:prstGeom>
-        </p:spPr>
-      </p:pic>
-      <p:pic>
-        <p:nvPicPr>
-          <p:cNvPr id="13" name="Picture 12" descr="unshadow_373"/>
-          <p:cNvPicPr>
-            <a:picLocks noChangeAspect="1"/>
-          </p:cNvPicPr>
-          <p:nvPr/>
-        </p:nvPicPr>
-        <p:blipFill>
-          <a:blip r:embed="rId2"/>
-          <a:stretch>
-            <a:fillRect/>
-          </a:stretch>
-        </p:blipFill>
-        <p:spPr>
-          <a:xfrm>
-            <a:off x="442595" y="2498725"/>
-            <a:ext cx="5486069" cy="3657600"/>
-          </a:xfrm>
-          <a:prstGeom prst="rect">
-            <a:avLst/>
-          </a:prstGeom>
-        </p:spPr>
-      </p:pic>
-    </p:spTree>
-  </p:cSld>
-  <p:clrMapOvr>
-    <a:masterClrMapping/>
-  </p:clrMapOvr>
-</p:sld>
-</file>
-
-<file path=ppt/slides/slide8.xml><?xml version="1.0" encoding="utf-8"?>
-<p:sld xmlns:a="http://schemas.openxmlformats.org/drawingml/2006/main" xmlns:r="http://schemas.openxmlformats.org/officeDocument/2006/relationships" xmlns:p="http://schemas.openxmlformats.org/presentationml/2006/main">
-  <p:cSld>
-    <p:spTree>
-      <p:nvGrpSpPr>
-        <p:cNvPr id="1" name=""/>
-        <p:cNvGrpSpPr/>
-        <p:nvPr/>
-      </p:nvGrpSpPr>
-      <p:grpSpPr/>
-      <p:sp>
-        <p:nvSpPr>
-          <p:cNvPr id="2" name="Title 1"/>
-          <p:cNvSpPr>
-            <a:spLocks noGrp="1"/>
-          </p:cNvSpPr>
-          <p:nvPr>
-            <p:ph type="title"/>
-          </p:nvPr>
-        </p:nvSpPr>
-        <p:spPr/>
-        <p:txBody>
-          <a:bodyPr>
-            <a:normAutofit/>
-          </a:bodyPr>
-          <a:p>
-            <a:r>
-              <a:rPr lang="en-US" altLang="en-US">
-                <a:sym typeface="+mn-ea"/>
-              </a:rPr>
-              <a:t>Diffuse(shadowed) SH rendering</a:t>
-            </a:r>
-            <a:endParaRPr lang="en-US"/>
-          </a:p>
-        </p:txBody>
-      </p:sp>
-      <p:pic>
-        <p:nvPicPr>
-          <p:cNvPr id="4" name="Content Placeholder 3"/>
-          <p:cNvPicPr>
-            <a:picLocks noChangeAspect="1"/>
-          </p:cNvPicPr>
-          <p:nvPr>
-            <p:ph idx="1"/>
-          </p:nvPr>
-        </p:nvPicPr>
-        <p:blipFill>
-          <a:blip r:embed="rId1"/>
-          <a:stretch>
-            <a:fillRect/>
-          </a:stretch>
-        </p:blipFill>
-        <p:spPr>
-          <a:xfrm>
-            <a:off x="1448435" y="1551940"/>
-            <a:ext cx="7280275" cy="5031105"/>
-          </a:xfrm>
-          <a:prstGeom prst="rect">
-            <a:avLst/>
-          </a:prstGeom>
-        </p:spPr>
-      </p:pic>
-    </p:spTree>
-  </p:cSld>
-  <p:clrMapOvr>
-    <a:masterClrMapping/>
-  </p:clrMapOvr>
-</p:sld>
-</file>
-
-<file path=ppt/slides/slide9.xml><?xml version="1.0" encoding="utf-8"?>
-<p:sld xmlns:a="http://schemas.openxmlformats.org/drawingml/2006/main" xmlns:r="http://schemas.openxmlformats.org/officeDocument/2006/relationships" xmlns:p="http://schemas.openxmlformats.org/presentationml/2006/main">
-  <p:cSld>
-    <p:spTree>
-      <p:nvGrpSpPr>
-        <p:cNvPr id="1" name=""/>
-        <p:cNvGrpSpPr/>
-        <p:nvPr/>
-      </p:nvGrpSpPr>
-      <p:grpSpPr/>
-      <p:sp>
-        <p:nvSpPr>
-          <p:cNvPr id="2" name="Title 1"/>
-          <p:cNvSpPr>
-            <a:spLocks noGrp="1"/>
-          </p:cNvSpPr>
-          <p:nvPr>
-            <p:ph type="title"/>
-          </p:nvPr>
-        </p:nvSpPr>
-        <p:spPr/>
-        <p:txBody>
-          <a:bodyPr/>
-          <a:p>
-            <a:r>
-              <a:rPr lang="" altLang="en-US"/>
-              <a:t>Exps</a:t>
-            </a:r>
-            <a:endParaRPr lang="" altLang="en-US"/>
-          </a:p>
-        </p:txBody>
-      </p:sp>
-      <p:sp>
-        <p:nvSpPr>
-          <p:cNvPr id="4" name="Text Box 3"/>
-          <p:cNvSpPr txBox="1"/>
-          <p:nvPr/>
-        </p:nvSpPr>
-        <p:spPr>
-          <a:xfrm>
-            <a:off x="838200" y="1691005"/>
-            <a:ext cx="9753600" cy="1476375"/>
-          </a:xfrm>
-          <a:prstGeom prst="rect">
-            <a:avLst/>
-          </a:prstGeom>
-          <a:noFill/>
-        </p:spPr>
-        <p:txBody>
-          <a:bodyPr wrap="square" rtlCol="0">
-            <a:spAutoFit/>
-          </a:bodyPr>
-          <a:p>
-            <a:r>
-              <a:rPr lang="" altLang="en-US"/>
-              <a:t>Cast shadows onto the plane.</a:t>
-            </a:r>
-            <a:endParaRPr lang="" altLang="en-US"/>
-          </a:p>
-          <a:p>
-            <a:endParaRPr lang="" altLang="en-US"/>
-          </a:p>
-          <a:p>
-            <a:r>
-              <a:rPr lang="" altLang="en-US"/>
-              <a:t>Plot shadows w.r.t. SH bands.</a:t>
-            </a:r>
-            <a:endParaRPr lang="" altLang="en-US"/>
-          </a:p>
-          <a:p>
-            <a:endParaRPr lang="" altLang="en-US"/>
-          </a:p>
-          <a:p>
-            <a:r>
-              <a:rPr lang="" altLang="en-US"/>
-              <a:t>Live demo!</a:t>
-            </a:r>
-            <a:endParaRPr lang="" altLang="en-US"/>
-          </a:p>
-        </p:txBody>
-      </p:sp>
-      <p:pic>
-        <p:nvPicPr>
-          <p:cNvPr id="5" name="Picture 4"/>
-          <p:cNvPicPr>
-            <a:picLocks noChangeAspect="1"/>
-          </p:cNvPicPr>
-          <p:nvPr/>
-        </p:nvPicPr>
-        <p:blipFill>
-          <a:blip r:embed="rId1"/>
-          <a:stretch>
-            <a:fillRect/>
-          </a:stretch>
-        </p:blipFill>
-        <p:spPr>
-          <a:xfrm>
-            <a:off x="4133215" y="453390"/>
-            <a:ext cx="7929880" cy="5481320"/>
           </a:xfrm>
           <a:prstGeom prst="rect">
             <a:avLst/>
